--- a/Prototype.pptx
+++ b/Prototype.pptx
@@ -14,6 +14,10 @@
     <p:sldId id="272" r:id="rId8"/>
     <p:sldId id="273" r:id="rId9"/>
     <p:sldId id="262" r:id="rId10"/>
+    <p:sldId id="274" r:id="rId11"/>
+    <p:sldId id="275" r:id="rId12"/>
+    <p:sldId id="276" r:id="rId13"/>
+    <p:sldId id="277" r:id="rId14"/>
   </p:sldIdLst>
   <p:sldSz cx="9144000" cy="6858000" type="screen4x3"/>
   <p:notesSz cx="6858000" cy="9144000"/>
@@ -251,7 +255,7 @@
           <a:p>
             <a:fld id="{3E028D5A-4F0E-40BA-B885-85E355AB2DA0}" type="datetimeFigureOut">
               <a:rPr lang="en-US" smtClean="0"/>
-              <a:t>2/28/2016</a:t>
+              <a:t>3/2/2016</a:t>
             </a:fld>
             <a:endParaRPr lang="en-US"/>
           </a:p>
@@ -421,7 +425,7 @@
           <a:p>
             <a:fld id="{3E028D5A-4F0E-40BA-B885-85E355AB2DA0}" type="datetimeFigureOut">
               <a:rPr lang="en-US" smtClean="0"/>
-              <a:t>2/28/2016</a:t>
+              <a:t>3/2/2016</a:t>
             </a:fld>
             <a:endParaRPr lang="en-US"/>
           </a:p>
@@ -601,7 +605,7 @@
           <a:p>
             <a:fld id="{3E028D5A-4F0E-40BA-B885-85E355AB2DA0}" type="datetimeFigureOut">
               <a:rPr lang="en-US" smtClean="0"/>
-              <a:t>2/28/2016</a:t>
+              <a:t>3/2/2016</a:t>
             </a:fld>
             <a:endParaRPr lang="en-US"/>
           </a:p>
@@ -771,7 +775,7 @@
           <a:p>
             <a:fld id="{3E028D5A-4F0E-40BA-B885-85E355AB2DA0}" type="datetimeFigureOut">
               <a:rPr lang="en-US" smtClean="0"/>
-              <a:t>2/28/2016</a:t>
+              <a:t>3/2/2016</a:t>
             </a:fld>
             <a:endParaRPr lang="en-US"/>
           </a:p>
@@ -1015,7 +1019,7 @@
           <a:p>
             <a:fld id="{3E028D5A-4F0E-40BA-B885-85E355AB2DA0}" type="datetimeFigureOut">
               <a:rPr lang="en-US" smtClean="0"/>
-              <a:t>2/28/2016</a:t>
+              <a:t>3/2/2016</a:t>
             </a:fld>
             <a:endParaRPr lang="en-US"/>
           </a:p>
@@ -1247,7 +1251,7 @@
           <a:p>
             <a:fld id="{3E028D5A-4F0E-40BA-B885-85E355AB2DA0}" type="datetimeFigureOut">
               <a:rPr lang="en-US" smtClean="0"/>
-              <a:t>2/28/2016</a:t>
+              <a:t>3/2/2016</a:t>
             </a:fld>
             <a:endParaRPr lang="en-US"/>
           </a:p>
@@ -1614,7 +1618,7 @@
           <a:p>
             <a:fld id="{3E028D5A-4F0E-40BA-B885-85E355AB2DA0}" type="datetimeFigureOut">
               <a:rPr lang="en-US" smtClean="0"/>
-              <a:t>2/28/2016</a:t>
+              <a:t>3/2/2016</a:t>
             </a:fld>
             <a:endParaRPr lang="en-US"/>
           </a:p>
@@ -1732,7 +1736,7 @@
           <a:p>
             <a:fld id="{3E028D5A-4F0E-40BA-B885-85E355AB2DA0}" type="datetimeFigureOut">
               <a:rPr lang="en-US" smtClean="0"/>
-              <a:t>2/28/2016</a:t>
+              <a:t>3/2/2016</a:t>
             </a:fld>
             <a:endParaRPr lang="en-US"/>
           </a:p>
@@ -1827,7 +1831,7 @@
           <a:p>
             <a:fld id="{3E028D5A-4F0E-40BA-B885-85E355AB2DA0}" type="datetimeFigureOut">
               <a:rPr lang="en-US" smtClean="0"/>
-              <a:t>2/28/2016</a:t>
+              <a:t>3/2/2016</a:t>
             </a:fld>
             <a:endParaRPr lang="en-US"/>
           </a:p>
@@ -2104,7 +2108,7 @@
           <a:p>
             <a:fld id="{3E028D5A-4F0E-40BA-B885-85E355AB2DA0}" type="datetimeFigureOut">
               <a:rPr lang="en-US" smtClean="0"/>
-              <a:t>2/28/2016</a:t>
+              <a:t>3/2/2016</a:t>
             </a:fld>
             <a:endParaRPr lang="en-US"/>
           </a:p>
@@ -2361,7 +2365,7 @@
           <a:p>
             <a:fld id="{3E028D5A-4F0E-40BA-B885-85E355AB2DA0}" type="datetimeFigureOut">
               <a:rPr lang="en-US" smtClean="0"/>
-              <a:t>2/28/2016</a:t>
+              <a:t>3/2/2016</a:t>
             </a:fld>
             <a:endParaRPr lang="en-US"/>
           </a:p>
@@ -2574,7 +2578,7 @@
           <a:p>
             <a:fld id="{3E028D5A-4F0E-40BA-B885-85E355AB2DA0}" type="datetimeFigureOut">
               <a:rPr lang="en-US" smtClean="0"/>
-              <a:t>2/28/2016</a:t>
+              <a:t>3/2/2016</a:t>
             </a:fld>
             <a:endParaRPr lang="en-US"/>
           </a:p>
@@ -5221,6 +5225,4075 @@
     <p:extLst>
       <p:ext uri="{BB962C8B-B14F-4D97-AF65-F5344CB8AC3E}">
         <p14:creationId xmlns:p14="http://schemas.microsoft.com/office/powerpoint/2010/main" val="523963706"/>
+      </p:ext>
+    </p:extLst>
+  </p:cSld>
+  <p:clrMapOvr>
+    <a:masterClrMapping/>
+  </p:clrMapOvr>
+  <p:timing>
+    <p:tnLst>
+      <p:par>
+        <p:cTn id="1" dur="indefinite" restart="never" nodeType="tmRoot"/>
+      </p:par>
+    </p:tnLst>
+  </p:timing>
+</p:sld>
+</file>
+
+<file path=ppt/slides/slide10.xml><?xml version="1.0" encoding="utf-8"?>
+<p:sld xmlns:a="http://schemas.openxmlformats.org/drawingml/2006/main" xmlns:r="http://schemas.openxmlformats.org/officeDocument/2006/relationships" xmlns:p="http://schemas.openxmlformats.org/presentationml/2006/main">
+  <p:cSld>
+    <p:spTree>
+      <p:nvGrpSpPr>
+        <p:cNvPr id="1" name=""/>
+        <p:cNvGrpSpPr/>
+        <p:nvPr/>
+      </p:nvGrpSpPr>
+      <p:grpSpPr>
+        <a:xfrm>
+          <a:off x="0" y="0"/>
+          <a:ext cx="0" cy="0"/>
+          <a:chOff x="0" y="0"/>
+          <a:chExt cx="0" cy="0"/>
+        </a:xfrm>
+      </p:grpSpPr>
+      <p:sp>
+        <p:nvSpPr>
+          <p:cNvPr id="2" name="标题 1"/>
+          <p:cNvSpPr>
+            <a:spLocks noGrp="1"/>
+          </p:cNvSpPr>
+          <p:nvPr>
+            <p:ph type="title"/>
+          </p:nvPr>
+        </p:nvSpPr>
+        <p:spPr/>
+        <p:txBody>
+          <a:bodyPr/>
+          <a:lstStyle/>
+          <a:p>
+            <a:pPr algn="ctr"/>
+            <a:r>
+              <a:rPr lang="en-US" dirty="0" err="1" smtClean="0"/>
+              <a:t>SwordPlots</a:t>
+            </a:r>
+            <a:r>
+              <a:rPr lang="en-US" dirty="0" smtClean="0"/>
+              <a:t> – Overview</a:t>
+            </a:r>
+            <a:endParaRPr lang="en-US" dirty="0"/>
+          </a:p>
+        </p:txBody>
+      </p:sp>
+      <p:pic>
+        <p:nvPicPr>
+          <p:cNvPr id="4" name="内容占位符 3"/>
+          <p:cNvPicPr>
+            <a:picLocks noGrp="1" noChangeAspect="1"/>
+          </p:cNvPicPr>
+          <p:nvPr>
+            <p:ph idx="1"/>
+          </p:nvPr>
+        </p:nvPicPr>
+        <p:blipFill>
+          <a:blip r:embed="rId2">
+            <a:extLst>
+              <a:ext uri="{28A0092B-C50C-407E-A947-70E740481C1C}">
+                <a14:useLocalDpi xmlns:a14="http://schemas.microsoft.com/office/drawing/2010/main" val="0"/>
+              </a:ext>
+            </a:extLst>
+          </a:blip>
+          <a:stretch>
+            <a:fillRect/>
+          </a:stretch>
+        </p:blipFill>
+        <p:spPr>
+          <a:xfrm>
+            <a:off x="227426" y="1846541"/>
+            <a:ext cx="8689147" cy="4455972"/>
+          </a:xfrm>
+        </p:spPr>
+      </p:pic>
+    </p:spTree>
+    <p:extLst>
+      <p:ext uri="{BB962C8B-B14F-4D97-AF65-F5344CB8AC3E}">
+        <p14:creationId xmlns:p14="http://schemas.microsoft.com/office/powerpoint/2010/main" val="302177837"/>
+      </p:ext>
+    </p:extLst>
+  </p:cSld>
+  <p:clrMapOvr>
+    <a:masterClrMapping/>
+  </p:clrMapOvr>
+  <p:timing>
+    <p:tnLst>
+      <p:par>
+        <p:cTn id="1" dur="indefinite" restart="never" nodeType="tmRoot"/>
+      </p:par>
+    </p:tnLst>
+  </p:timing>
+</p:sld>
+</file>
+
+<file path=ppt/slides/slide11.xml><?xml version="1.0" encoding="utf-8"?>
+<p:sld xmlns:a="http://schemas.openxmlformats.org/drawingml/2006/main" xmlns:r="http://schemas.openxmlformats.org/officeDocument/2006/relationships" xmlns:p="http://schemas.openxmlformats.org/presentationml/2006/main">
+  <p:cSld>
+    <p:spTree>
+      <p:nvGrpSpPr>
+        <p:cNvPr id="1" name=""/>
+        <p:cNvGrpSpPr/>
+        <p:nvPr/>
+      </p:nvGrpSpPr>
+      <p:grpSpPr>
+        <a:xfrm>
+          <a:off x="0" y="0"/>
+          <a:ext cx="0" cy="0"/>
+          <a:chOff x="0" y="0"/>
+          <a:chExt cx="0" cy="0"/>
+        </a:xfrm>
+      </p:grpSpPr>
+      <p:sp>
+        <p:nvSpPr>
+          <p:cNvPr id="2" name="标题 1"/>
+          <p:cNvSpPr>
+            <a:spLocks noGrp="1"/>
+          </p:cNvSpPr>
+          <p:nvPr>
+            <p:ph type="title"/>
+          </p:nvPr>
+        </p:nvSpPr>
+        <p:spPr/>
+        <p:txBody>
+          <a:bodyPr/>
+          <a:lstStyle/>
+          <a:p>
+            <a:pPr algn="ctr"/>
+            <a:r>
+              <a:rPr lang="en-US" dirty="0" err="1" smtClean="0"/>
+              <a:t>SwordPlot</a:t>
+            </a:r>
+            <a:endParaRPr lang="en-US" dirty="0"/>
+          </a:p>
+        </p:txBody>
+      </p:sp>
+      <p:pic>
+        <p:nvPicPr>
+          <p:cNvPr id="4" name="内容占位符 3"/>
+          <p:cNvPicPr>
+            <a:picLocks noGrp="1" noChangeAspect="1"/>
+          </p:cNvPicPr>
+          <p:nvPr>
+            <p:ph idx="1"/>
+          </p:nvPr>
+        </p:nvPicPr>
+        <p:blipFill>
+          <a:blip r:embed="rId2">
+            <a:extLst>
+              <a:ext uri="{28A0092B-C50C-407E-A947-70E740481C1C}">
+                <a14:useLocalDpi xmlns:a14="http://schemas.microsoft.com/office/drawing/2010/main" val="0"/>
+              </a:ext>
+            </a:extLst>
+          </a:blip>
+          <a:stretch>
+            <a:fillRect/>
+          </a:stretch>
+        </p:blipFill>
+        <p:spPr>
+          <a:xfrm>
+            <a:off x="192562" y="1690689"/>
+            <a:ext cx="8758875" cy="4926868"/>
+          </a:xfrm>
+          <a:prstGeom prst="rect">
+            <a:avLst/>
+          </a:prstGeom>
+        </p:spPr>
+      </p:pic>
+    </p:spTree>
+    <p:extLst>
+      <p:ext uri="{BB962C8B-B14F-4D97-AF65-F5344CB8AC3E}">
+        <p14:creationId xmlns:p14="http://schemas.microsoft.com/office/powerpoint/2010/main" val="2999323560"/>
+      </p:ext>
+    </p:extLst>
+  </p:cSld>
+  <p:clrMapOvr>
+    <a:masterClrMapping/>
+  </p:clrMapOvr>
+  <p:timing>
+    <p:tnLst>
+      <p:par>
+        <p:cTn id="1" dur="indefinite" restart="never" nodeType="tmRoot"/>
+      </p:par>
+    </p:tnLst>
+  </p:timing>
+</p:sld>
+</file>
+
+<file path=ppt/slides/slide12.xml><?xml version="1.0" encoding="utf-8"?>
+<p:sld xmlns:a="http://schemas.openxmlformats.org/drawingml/2006/main" xmlns:r="http://schemas.openxmlformats.org/officeDocument/2006/relationships" xmlns:p="http://schemas.openxmlformats.org/presentationml/2006/main">
+  <p:cSld>
+    <p:spTree>
+      <p:nvGrpSpPr>
+        <p:cNvPr id="1" name=""/>
+        <p:cNvGrpSpPr/>
+        <p:nvPr/>
+      </p:nvGrpSpPr>
+      <p:grpSpPr>
+        <a:xfrm>
+          <a:off x="0" y="0"/>
+          <a:ext cx="0" cy="0"/>
+          <a:chOff x="0" y="0"/>
+          <a:chExt cx="0" cy="0"/>
+        </a:xfrm>
+      </p:grpSpPr>
+      <p:sp>
+        <p:nvSpPr>
+          <p:cNvPr id="2" name="标题 1"/>
+          <p:cNvSpPr>
+            <a:spLocks noGrp="1"/>
+          </p:cNvSpPr>
+          <p:nvPr>
+            <p:ph type="title"/>
+          </p:nvPr>
+        </p:nvSpPr>
+        <p:spPr/>
+        <p:txBody>
+          <a:bodyPr/>
+          <a:lstStyle/>
+          <a:p>
+            <a:pPr algn="ctr"/>
+            <a:r>
+              <a:rPr lang="en-US" dirty="0" err="1" smtClean="0"/>
+              <a:t>SwordPlot</a:t>
+            </a:r>
+            <a:r>
+              <a:rPr lang="en-US" dirty="0" smtClean="0"/>
+              <a:t> – Zoom In</a:t>
+            </a:r>
+            <a:endParaRPr lang="en-US" dirty="0"/>
+          </a:p>
+        </p:txBody>
+      </p:sp>
+      <p:pic>
+        <p:nvPicPr>
+          <p:cNvPr id="4" name="内容占位符 3"/>
+          <p:cNvPicPr>
+            <a:picLocks noGrp="1" noChangeAspect="1"/>
+          </p:cNvPicPr>
+          <p:nvPr>
+            <p:ph idx="1"/>
+          </p:nvPr>
+        </p:nvPicPr>
+        <p:blipFill>
+          <a:blip r:embed="rId2">
+            <a:extLst>
+              <a:ext uri="{28A0092B-C50C-407E-A947-70E740481C1C}">
+                <a14:useLocalDpi xmlns:a14="http://schemas.microsoft.com/office/drawing/2010/main" val="0"/>
+              </a:ext>
+            </a:extLst>
+          </a:blip>
+          <a:stretch>
+            <a:fillRect/>
+          </a:stretch>
+        </p:blipFill>
+        <p:spPr>
+          <a:xfrm>
+            <a:off x="2290762" y="2091531"/>
+            <a:ext cx="4562475" cy="3819525"/>
+          </a:xfrm>
+        </p:spPr>
+      </p:pic>
+    </p:spTree>
+    <p:extLst>
+      <p:ext uri="{BB962C8B-B14F-4D97-AF65-F5344CB8AC3E}">
+        <p14:creationId xmlns:p14="http://schemas.microsoft.com/office/powerpoint/2010/main" val="2275519076"/>
+      </p:ext>
+    </p:extLst>
+  </p:cSld>
+  <p:clrMapOvr>
+    <a:masterClrMapping/>
+  </p:clrMapOvr>
+  <p:timing>
+    <p:tnLst>
+      <p:par>
+        <p:cTn id="1" dur="indefinite" restart="never" nodeType="tmRoot"/>
+      </p:par>
+    </p:tnLst>
+  </p:timing>
+</p:sld>
+</file>
+
+<file path=ppt/slides/slide13.xml><?xml version="1.0" encoding="utf-8"?>
+<p:sld xmlns:a="http://schemas.openxmlformats.org/drawingml/2006/main" xmlns:r="http://schemas.openxmlformats.org/officeDocument/2006/relationships" xmlns:p="http://schemas.openxmlformats.org/presentationml/2006/main">
+  <p:cSld>
+    <p:spTree>
+      <p:nvGrpSpPr>
+        <p:cNvPr id="1" name=""/>
+        <p:cNvGrpSpPr/>
+        <p:nvPr/>
+      </p:nvGrpSpPr>
+      <p:grpSpPr>
+        <a:xfrm>
+          <a:off x="0" y="0"/>
+          <a:ext cx="0" cy="0"/>
+          <a:chOff x="0" y="0"/>
+          <a:chExt cx="0" cy="0"/>
+        </a:xfrm>
+      </p:grpSpPr>
+      <p:sp>
+        <p:nvSpPr>
+          <p:cNvPr id="3" name="矩形 2"/>
+          <p:cNvSpPr/>
+          <p:nvPr/>
+        </p:nvSpPr>
+        <p:spPr>
+          <a:xfrm>
+            <a:off x="109728" y="174171"/>
+            <a:ext cx="8887968" cy="6520543"/>
+          </a:xfrm>
+          <a:prstGeom prst="rect">
+            <a:avLst/>
+          </a:prstGeom>
+          <a:noFill/>
+          <a:ln w="19050">
+            <a:solidFill>
+              <a:schemeClr val="tx1">
+                <a:lumMod val="75000"/>
+                <a:lumOff val="25000"/>
+              </a:schemeClr>
+            </a:solidFill>
+          </a:ln>
+        </p:spPr>
+        <p:style>
+          <a:lnRef idx="2">
+            <a:schemeClr val="accent1">
+              <a:shade val="50000"/>
+            </a:schemeClr>
+          </a:lnRef>
+          <a:fillRef idx="1">
+            <a:schemeClr val="accent1"/>
+          </a:fillRef>
+          <a:effectRef idx="0">
+            <a:schemeClr val="accent1"/>
+          </a:effectRef>
+          <a:fontRef idx="minor">
+            <a:schemeClr val="lt1"/>
+          </a:fontRef>
+        </p:style>
+        <p:txBody>
+          <a:bodyPr rot="0" spcFirstLastPara="0" vertOverflow="overflow" horzOverflow="overflow" vert="horz" wrap="square" lIns="68580" tIns="34290" rIns="68580" bIns="34290" numCol="1" spcCol="0" rtlCol="0" fromWordArt="0" anchor="ctr" anchorCtr="0" forceAA="0" compatLnSpc="1">
+            <a:prstTxWarp prst="textNoShape">
+              <a:avLst/>
+            </a:prstTxWarp>
+            <a:noAutofit/>
+          </a:bodyPr>
+          <a:lstStyle/>
+          <a:p>
+            <a:pPr algn="ctr"/>
+            <a:endParaRPr lang="en-US" sz="1350"/>
+          </a:p>
+        </p:txBody>
+      </p:sp>
+      <p:sp>
+        <p:nvSpPr>
+          <p:cNvPr id="4" name="矩形 3"/>
+          <p:cNvSpPr/>
+          <p:nvPr/>
+        </p:nvSpPr>
+        <p:spPr>
+          <a:xfrm>
+            <a:off x="287674" y="1069521"/>
+            <a:ext cx="5504136" cy="544286"/>
+          </a:xfrm>
+          <a:prstGeom prst="rect">
+            <a:avLst/>
+          </a:prstGeom>
+          <a:noFill/>
+          <a:ln w="19050">
+            <a:solidFill>
+              <a:schemeClr val="tx1">
+                <a:lumMod val="50000"/>
+                <a:lumOff val="50000"/>
+              </a:schemeClr>
+            </a:solidFill>
+          </a:ln>
+        </p:spPr>
+        <p:style>
+          <a:lnRef idx="2">
+            <a:schemeClr val="accent1">
+              <a:shade val="50000"/>
+            </a:schemeClr>
+          </a:lnRef>
+          <a:fillRef idx="1">
+            <a:schemeClr val="accent1"/>
+          </a:fillRef>
+          <a:effectRef idx="0">
+            <a:schemeClr val="accent1"/>
+          </a:effectRef>
+          <a:fontRef idx="minor">
+            <a:schemeClr val="lt1"/>
+          </a:fontRef>
+        </p:style>
+        <p:txBody>
+          <a:bodyPr rtlCol="0" anchor="ctr"/>
+          <a:lstStyle/>
+          <a:p>
+            <a:pPr algn="ctr"/>
+            <a:endParaRPr lang="en-US"/>
+          </a:p>
+        </p:txBody>
+      </p:sp>
+      <p:sp>
+        <p:nvSpPr>
+          <p:cNvPr id="6" name="椭圆 5"/>
+          <p:cNvSpPr/>
+          <p:nvPr/>
+        </p:nvSpPr>
+        <p:spPr>
+          <a:xfrm>
+            <a:off x="385348" y="574093"/>
+            <a:ext cx="275263" cy="293914"/>
+          </a:xfrm>
+          <a:prstGeom prst="ellipse">
+            <a:avLst/>
+          </a:prstGeom>
+          <a:solidFill>
+            <a:srgbClr val="1F78B4"/>
+          </a:solidFill>
+          <a:ln w="28575">
+            <a:solidFill>
+              <a:srgbClr val="1F78B4"/>
+            </a:solidFill>
+          </a:ln>
+        </p:spPr>
+        <p:style>
+          <a:lnRef idx="2">
+            <a:schemeClr val="accent1">
+              <a:shade val="50000"/>
+            </a:schemeClr>
+          </a:lnRef>
+          <a:fillRef idx="1">
+            <a:schemeClr val="accent1"/>
+          </a:fillRef>
+          <a:effectRef idx="0">
+            <a:schemeClr val="accent1"/>
+          </a:effectRef>
+          <a:fontRef idx="minor">
+            <a:schemeClr val="lt1"/>
+          </a:fontRef>
+        </p:style>
+        <p:txBody>
+          <a:bodyPr rtlCol="0" anchor="ctr"/>
+          <a:lstStyle/>
+          <a:p>
+            <a:pPr algn="ctr"/>
+            <a:endParaRPr lang="en-US"/>
+          </a:p>
+        </p:txBody>
+      </p:sp>
+      <p:sp>
+        <p:nvSpPr>
+          <p:cNvPr id="7" name="椭圆 6"/>
+          <p:cNvSpPr/>
+          <p:nvPr/>
+        </p:nvSpPr>
+        <p:spPr>
+          <a:xfrm>
+            <a:off x="794144" y="574093"/>
+            <a:ext cx="275263" cy="293914"/>
+          </a:xfrm>
+          <a:prstGeom prst="ellipse">
+            <a:avLst/>
+          </a:prstGeom>
+          <a:solidFill>
+            <a:srgbClr val="33A02C"/>
+          </a:solidFill>
+          <a:ln w="28575">
+            <a:solidFill>
+              <a:srgbClr val="33A02C"/>
+            </a:solidFill>
+          </a:ln>
+        </p:spPr>
+        <p:style>
+          <a:lnRef idx="2">
+            <a:schemeClr val="accent1">
+              <a:shade val="50000"/>
+            </a:schemeClr>
+          </a:lnRef>
+          <a:fillRef idx="1">
+            <a:schemeClr val="accent1"/>
+          </a:fillRef>
+          <a:effectRef idx="0">
+            <a:schemeClr val="accent1"/>
+          </a:effectRef>
+          <a:fontRef idx="minor">
+            <a:schemeClr val="lt1"/>
+          </a:fontRef>
+        </p:style>
+        <p:txBody>
+          <a:bodyPr rtlCol="0" anchor="ctr"/>
+          <a:lstStyle/>
+          <a:p>
+            <a:pPr algn="ctr"/>
+            <a:endParaRPr lang="en-US"/>
+          </a:p>
+        </p:txBody>
+      </p:sp>
+      <p:sp>
+        <p:nvSpPr>
+          <p:cNvPr id="8" name="椭圆 7"/>
+          <p:cNvSpPr/>
+          <p:nvPr/>
+        </p:nvSpPr>
+        <p:spPr>
+          <a:xfrm>
+            <a:off x="1202940" y="574093"/>
+            <a:ext cx="275263" cy="293914"/>
+          </a:xfrm>
+          <a:prstGeom prst="ellipse">
+            <a:avLst/>
+          </a:prstGeom>
+          <a:solidFill>
+            <a:srgbClr val="FF7F00"/>
+          </a:solidFill>
+          <a:ln w="28575">
+            <a:solidFill>
+              <a:srgbClr val="FF7F00"/>
+            </a:solidFill>
+          </a:ln>
+        </p:spPr>
+        <p:style>
+          <a:lnRef idx="2">
+            <a:schemeClr val="accent1">
+              <a:shade val="50000"/>
+            </a:schemeClr>
+          </a:lnRef>
+          <a:fillRef idx="1">
+            <a:schemeClr val="accent1"/>
+          </a:fillRef>
+          <a:effectRef idx="0">
+            <a:schemeClr val="accent1"/>
+          </a:effectRef>
+          <a:fontRef idx="minor">
+            <a:schemeClr val="lt1"/>
+          </a:fontRef>
+        </p:style>
+        <p:txBody>
+          <a:bodyPr rtlCol="0" anchor="ctr"/>
+          <a:lstStyle/>
+          <a:p>
+            <a:pPr algn="ctr"/>
+            <a:endParaRPr lang="en-US"/>
+          </a:p>
+        </p:txBody>
+      </p:sp>
+      <p:sp>
+        <p:nvSpPr>
+          <p:cNvPr id="9" name="椭圆 8"/>
+          <p:cNvSpPr/>
+          <p:nvPr/>
+        </p:nvSpPr>
+        <p:spPr>
+          <a:xfrm>
+            <a:off x="1611736" y="574093"/>
+            <a:ext cx="275263" cy="293914"/>
+          </a:xfrm>
+          <a:prstGeom prst="ellipse">
+            <a:avLst/>
+          </a:prstGeom>
+          <a:solidFill>
+            <a:srgbClr val="E31A1C"/>
+          </a:solidFill>
+          <a:ln w="28575">
+            <a:solidFill>
+              <a:srgbClr val="E31A1C"/>
+            </a:solidFill>
+          </a:ln>
+        </p:spPr>
+        <p:style>
+          <a:lnRef idx="2">
+            <a:schemeClr val="accent1">
+              <a:shade val="50000"/>
+            </a:schemeClr>
+          </a:lnRef>
+          <a:fillRef idx="1">
+            <a:schemeClr val="accent1"/>
+          </a:fillRef>
+          <a:effectRef idx="0">
+            <a:schemeClr val="accent1"/>
+          </a:effectRef>
+          <a:fontRef idx="minor">
+            <a:schemeClr val="lt1"/>
+          </a:fontRef>
+        </p:style>
+        <p:txBody>
+          <a:bodyPr rtlCol="0" anchor="ctr"/>
+          <a:lstStyle/>
+          <a:p>
+            <a:pPr algn="ctr"/>
+            <a:endParaRPr lang="en-US"/>
+          </a:p>
+        </p:txBody>
+      </p:sp>
+      <p:sp>
+        <p:nvSpPr>
+          <p:cNvPr id="10" name="椭圆 9"/>
+          <p:cNvSpPr/>
+          <p:nvPr/>
+        </p:nvSpPr>
+        <p:spPr>
+          <a:xfrm>
+            <a:off x="2020532" y="574093"/>
+            <a:ext cx="275263" cy="293914"/>
+          </a:xfrm>
+          <a:prstGeom prst="ellipse">
+            <a:avLst/>
+          </a:prstGeom>
+          <a:solidFill>
+            <a:srgbClr val="6A3D9A"/>
+          </a:solidFill>
+          <a:ln w="28575">
+            <a:solidFill>
+              <a:srgbClr val="6A3D9A"/>
+            </a:solidFill>
+          </a:ln>
+        </p:spPr>
+        <p:style>
+          <a:lnRef idx="2">
+            <a:schemeClr val="accent1">
+              <a:shade val="50000"/>
+            </a:schemeClr>
+          </a:lnRef>
+          <a:fillRef idx="1">
+            <a:schemeClr val="accent1"/>
+          </a:fillRef>
+          <a:effectRef idx="0">
+            <a:schemeClr val="accent1"/>
+          </a:effectRef>
+          <a:fontRef idx="minor">
+            <a:schemeClr val="lt1"/>
+          </a:fontRef>
+        </p:style>
+        <p:txBody>
+          <a:bodyPr rtlCol="0" anchor="ctr"/>
+          <a:lstStyle/>
+          <a:p>
+            <a:pPr algn="ctr"/>
+            <a:endParaRPr lang="en-US"/>
+          </a:p>
+        </p:txBody>
+      </p:sp>
+      <p:sp>
+        <p:nvSpPr>
+          <p:cNvPr id="11" name="椭圆 10"/>
+          <p:cNvSpPr/>
+          <p:nvPr/>
+        </p:nvSpPr>
+        <p:spPr>
+          <a:xfrm>
+            <a:off x="2429328" y="574093"/>
+            <a:ext cx="275263" cy="293914"/>
+          </a:xfrm>
+          <a:prstGeom prst="ellipse">
+            <a:avLst/>
+          </a:prstGeom>
+          <a:solidFill>
+            <a:srgbClr val="A6CEE3"/>
+          </a:solidFill>
+          <a:ln w="28575">
+            <a:solidFill>
+              <a:srgbClr val="A6CEE3"/>
+            </a:solidFill>
+          </a:ln>
+        </p:spPr>
+        <p:style>
+          <a:lnRef idx="2">
+            <a:schemeClr val="accent1">
+              <a:shade val="50000"/>
+            </a:schemeClr>
+          </a:lnRef>
+          <a:fillRef idx="1">
+            <a:schemeClr val="accent1"/>
+          </a:fillRef>
+          <a:effectRef idx="0">
+            <a:schemeClr val="accent1"/>
+          </a:effectRef>
+          <a:fontRef idx="minor">
+            <a:schemeClr val="lt1"/>
+          </a:fontRef>
+        </p:style>
+        <p:txBody>
+          <a:bodyPr rtlCol="0" anchor="ctr"/>
+          <a:lstStyle/>
+          <a:p>
+            <a:pPr algn="ctr"/>
+            <a:endParaRPr lang="en-US"/>
+          </a:p>
+        </p:txBody>
+      </p:sp>
+      <p:sp>
+        <p:nvSpPr>
+          <p:cNvPr id="12" name="椭圆 11"/>
+          <p:cNvSpPr/>
+          <p:nvPr/>
+        </p:nvSpPr>
+        <p:spPr>
+          <a:xfrm>
+            <a:off x="2838124" y="574093"/>
+            <a:ext cx="275263" cy="293914"/>
+          </a:xfrm>
+          <a:prstGeom prst="ellipse">
+            <a:avLst/>
+          </a:prstGeom>
+          <a:noFill/>
+          <a:ln w="28575">
+            <a:solidFill>
+              <a:srgbClr val="B2DF8A"/>
+            </a:solidFill>
+          </a:ln>
+        </p:spPr>
+        <p:style>
+          <a:lnRef idx="2">
+            <a:schemeClr val="accent1">
+              <a:shade val="50000"/>
+            </a:schemeClr>
+          </a:lnRef>
+          <a:fillRef idx="1">
+            <a:schemeClr val="accent1"/>
+          </a:fillRef>
+          <a:effectRef idx="0">
+            <a:schemeClr val="accent1"/>
+          </a:effectRef>
+          <a:fontRef idx="minor">
+            <a:schemeClr val="lt1"/>
+          </a:fontRef>
+        </p:style>
+        <p:txBody>
+          <a:bodyPr rtlCol="0" anchor="ctr"/>
+          <a:lstStyle/>
+          <a:p>
+            <a:pPr algn="ctr"/>
+            <a:endParaRPr lang="en-US"/>
+          </a:p>
+        </p:txBody>
+      </p:sp>
+      <p:sp>
+        <p:nvSpPr>
+          <p:cNvPr id="13" name="椭圆 12"/>
+          <p:cNvSpPr/>
+          <p:nvPr/>
+        </p:nvSpPr>
+        <p:spPr>
+          <a:xfrm>
+            <a:off x="3246920" y="574093"/>
+            <a:ext cx="275263" cy="293914"/>
+          </a:xfrm>
+          <a:prstGeom prst="ellipse">
+            <a:avLst/>
+          </a:prstGeom>
+          <a:noFill/>
+          <a:ln w="28575">
+            <a:solidFill>
+              <a:srgbClr val="FDBF6F"/>
+            </a:solidFill>
+          </a:ln>
+        </p:spPr>
+        <p:style>
+          <a:lnRef idx="2">
+            <a:schemeClr val="accent1">
+              <a:shade val="50000"/>
+            </a:schemeClr>
+          </a:lnRef>
+          <a:fillRef idx="1">
+            <a:schemeClr val="accent1"/>
+          </a:fillRef>
+          <a:effectRef idx="0">
+            <a:schemeClr val="accent1"/>
+          </a:effectRef>
+          <a:fontRef idx="minor">
+            <a:schemeClr val="lt1"/>
+          </a:fontRef>
+        </p:style>
+        <p:txBody>
+          <a:bodyPr rtlCol="0" anchor="ctr"/>
+          <a:lstStyle/>
+          <a:p>
+            <a:pPr algn="ctr"/>
+            <a:endParaRPr lang="en-US"/>
+          </a:p>
+        </p:txBody>
+      </p:sp>
+      <p:sp>
+        <p:nvSpPr>
+          <p:cNvPr id="14" name="椭圆 13"/>
+          <p:cNvSpPr/>
+          <p:nvPr/>
+        </p:nvSpPr>
+        <p:spPr>
+          <a:xfrm>
+            <a:off x="3655716" y="574093"/>
+            <a:ext cx="275263" cy="293914"/>
+          </a:xfrm>
+          <a:prstGeom prst="ellipse">
+            <a:avLst/>
+          </a:prstGeom>
+          <a:noFill/>
+          <a:ln w="28575">
+            <a:solidFill>
+              <a:srgbClr val="FB9A99"/>
+            </a:solidFill>
+          </a:ln>
+        </p:spPr>
+        <p:style>
+          <a:lnRef idx="2">
+            <a:schemeClr val="accent1">
+              <a:shade val="50000"/>
+            </a:schemeClr>
+          </a:lnRef>
+          <a:fillRef idx="1">
+            <a:schemeClr val="accent1"/>
+          </a:fillRef>
+          <a:effectRef idx="0">
+            <a:schemeClr val="accent1"/>
+          </a:effectRef>
+          <a:fontRef idx="minor">
+            <a:schemeClr val="lt1"/>
+          </a:fontRef>
+        </p:style>
+        <p:txBody>
+          <a:bodyPr rtlCol="0" anchor="ctr"/>
+          <a:lstStyle/>
+          <a:p>
+            <a:pPr algn="ctr"/>
+            <a:endParaRPr lang="en-US"/>
+          </a:p>
+        </p:txBody>
+      </p:sp>
+      <p:sp>
+        <p:nvSpPr>
+          <p:cNvPr id="15" name="椭圆 14"/>
+          <p:cNvSpPr/>
+          <p:nvPr/>
+        </p:nvSpPr>
+        <p:spPr>
+          <a:xfrm>
+            <a:off x="4064512" y="574093"/>
+            <a:ext cx="275263" cy="293914"/>
+          </a:xfrm>
+          <a:prstGeom prst="ellipse">
+            <a:avLst/>
+          </a:prstGeom>
+          <a:noFill/>
+          <a:ln w="28575">
+            <a:solidFill>
+              <a:srgbClr val="CAB2D6"/>
+            </a:solidFill>
+          </a:ln>
+        </p:spPr>
+        <p:style>
+          <a:lnRef idx="2">
+            <a:schemeClr val="accent1">
+              <a:shade val="50000"/>
+            </a:schemeClr>
+          </a:lnRef>
+          <a:fillRef idx="1">
+            <a:schemeClr val="accent1"/>
+          </a:fillRef>
+          <a:effectRef idx="0">
+            <a:schemeClr val="accent1"/>
+          </a:effectRef>
+          <a:fontRef idx="minor">
+            <a:schemeClr val="lt1"/>
+          </a:fontRef>
+        </p:style>
+        <p:txBody>
+          <a:bodyPr rtlCol="0" anchor="ctr"/>
+          <a:lstStyle/>
+          <a:p>
+            <a:pPr algn="ctr"/>
+            <a:endParaRPr lang="en-US"/>
+          </a:p>
+        </p:txBody>
+      </p:sp>
+      <p:sp>
+        <p:nvSpPr>
+          <p:cNvPr id="17" name="矩形 16"/>
+          <p:cNvSpPr/>
+          <p:nvPr/>
+        </p:nvSpPr>
+        <p:spPr>
+          <a:xfrm>
+            <a:off x="8027253" y="504574"/>
+            <a:ext cx="108857" cy="142201"/>
+          </a:xfrm>
+          <a:prstGeom prst="rect">
+            <a:avLst/>
+          </a:prstGeom>
+          <a:noFill/>
+          <a:ln>
+            <a:solidFill>
+              <a:schemeClr val="tx1">
+                <a:lumMod val="75000"/>
+                <a:lumOff val="25000"/>
+              </a:schemeClr>
+            </a:solidFill>
+          </a:ln>
+        </p:spPr>
+        <p:style>
+          <a:lnRef idx="2">
+            <a:schemeClr val="accent1">
+              <a:shade val="50000"/>
+            </a:schemeClr>
+          </a:lnRef>
+          <a:fillRef idx="1">
+            <a:schemeClr val="accent1"/>
+          </a:fillRef>
+          <a:effectRef idx="0">
+            <a:schemeClr val="accent1"/>
+          </a:effectRef>
+          <a:fontRef idx="minor">
+            <a:schemeClr val="lt1"/>
+          </a:fontRef>
+        </p:style>
+        <p:txBody>
+          <a:bodyPr rtlCol="0" anchor="ctr"/>
+          <a:lstStyle/>
+          <a:p>
+            <a:pPr algn="ctr"/>
+            <a:endParaRPr lang="en-US"/>
+          </a:p>
+        </p:txBody>
+      </p:sp>
+      <p:sp>
+        <p:nvSpPr>
+          <p:cNvPr id="18" name="文本框 17"/>
+          <p:cNvSpPr txBox="1"/>
+          <p:nvPr/>
+        </p:nvSpPr>
+        <p:spPr>
+          <a:xfrm>
+            <a:off x="4945317" y="574093"/>
+            <a:ext cx="860499" cy="307777"/>
+          </a:xfrm>
+          <a:prstGeom prst="rect">
+            <a:avLst/>
+          </a:prstGeom>
+          <a:noFill/>
+        </p:spPr>
+        <p:txBody>
+          <a:bodyPr wrap="square" rtlCol="0">
+            <a:spAutoFit/>
+          </a:bodyPr>
+          <a:lstStyle/>
+          <a:p>
+            <a:r>
+              <a:rPr lang="en-US" sz="1400" dirty="0" smtClean="0"/>
+              <a:t>Select All</a:t>
+            </a:r>
+            <a:endParaRPr lang="en-US" sz="1400" dirty="0"/>
+          </a:p>
+        </p:txBody>
+      </p:sp>
+      <p:sp>
+        <p:nvSpPr>
+          <p:cNvPr id="19" name="文本框 18"/>
+          <p:cNvSpPr txBox="1"/>
+          <p:nvPr/>
+        </p:nvSpPr>
+        <p:spPr>
+          <a:xfrm>
+            <a:off x="287674" y="266316"/>
+            <a:ext cx="2695012" cy="307777"/>
+          </a:xfrm>
+          <a:prstGeom prst="rect">
+            <a:avLst/>
+          </a:prstGeom>
+          <a:noFill/>
+        </p:spPr>
+        <p:txBody>
+          <a:bodyPr wrap="square" rtlCol="0">
+            <a:spAutoFit/>
+          </a:bodyPr>
+          <a:lstStyle/>
+          <a:p>
+            <a:r>
+              <a:rPr lang="en-US" sz="1400" dirty="0" smtClean="0"/>
+              <a:t>Top 10 Communities</a:t>
+            </a:r>
+            <a:endParaRPr lang="en-US" sz="1400" dirty="0"/>
+          </a:p>
+        </p:txBody>
+      </p:sp>
+      <p:sp>
+        <p:nvSpPr>
+          <p:cNvPr id="20" name="矩形 19"/>
+          <p:cNvSpPr/>
+          <p:nvPr/>
+        </p:nvSpPr>
+        <p:spPr>
+          <a:xfrm>
+            <a:off x="6030380" y="370115"/>
+            <a:ext cx="2819705" cy="979987"/>
+          </a:xfrm>
+          <a:prstGeom prst="rect">
+            <a:avLst/>
+          </a:prstGeom>
+          <a:noFill/>
+          <a:ln>
+            <a:solidFill>
+              <a:schemeClr val="tx1">
+                <a:lumMod val="85000"/>
+                <a:lumOff val="15000"/>
+              </a:schemeClr>
+            </a:solidFill>
+          </a:ln>
+        </p:spPr>
+        <p:style>
+          <a:lnRef idx="2">
+            <a:schemeClr val="accent1">
+              <a:shade val="50000"/>
+            </a:schemeClr>
+          </a:lnRef>
+          <a:fillRef idx="1">
+            <a:schemeClr val="accent1"/>
+          </a:fillRef>
+          <a:effectRef idx="0">
+            <a:schemeClr val="accent1"/>
+          </a:effectRef>
+          <a:fontRef idx="minor">
+            <a:schemeClr val="lt1"/>
+          </a:fontRef>
+        </p:style>
+        <p:txBody>
+          <a:bodyPr rtlCol="0" anchor="ctr"/>
+          <a:lstStyle/>
+          <a:p>
+            <a:pPr algn="ctr"/>
+            <a:endParaRPr lang="en-US"/>
+          </a:p>
+        </p:txBody>
+      </p:sp>
+      <p:sp>
+        <p:nvSpPr>
+          <p:cNvPr id="21" name="矩形 20"/>
+          <p:cNvSpPr/>
+          <p:nvPr/>
+        </p:nvSpPr>
+        <p:spPr>
+          <a:xfrm>
+            <a:off x="6030381" y="1509773"/>
+            <a:ext cx="2809124" cy="2644487"/>
+          </a:xfrm>
+          <a:prstGeom prst="rect">
+            <a:avLst/>
+          </a:prstGeom>
+          <a:noFill/>
+          <a:ln>
+            <a:solidFill>
+              <a:schemeClr val="tx1">
+                <a:lumMod val="85000"/>
+                <a:lumOff val="15000"/>
+              </a:schemeClr>
+            </a:solidFill>
+          </a:ln>
+        </p:spPr>
+        <p:style>
+          <a:lnRef idx="2">
+            <a:schemeClr val="accent1">
+              <a:shade val="50000"/>
+            </a:schemeClr>
+          </a:lnRef>
+          <a:fillRef idx="1">
+            <a:schemeClr val="accent1"/>
+          </a:fillRef>
+          <a:effectRef idx="0">
+            <a:schemeClr val="accent1"/>
+          </a:effectRef>
+          <a:fontRef idx="minor">
+            <a:schemeClr val="lt1"/>
+          </a:fontRef>
+        </p:style>
+        <p:txBody>
+          <a:bodyPr rtlCol="0" anchor="ctr"/>
+          <a:lstStyle/>
+          <a:p>
+            <a:pPr algn="ctr"/>
+            <a:endParaRPr lang="en-US"/>
+          </a:p>
+        </p:txBody>
+      </p:sp>
+      <p:sp>
+        <p:nvSpPr>
+          <p:cNvPr id="22" name="矩形 21"/>
+          <p:cNvSpPr/>
+          <p:nvPr/>
+        </p:nvSpPr>
+        <p:spPr>
+          <a:xfrm>
+            <a:off x="6030380" y="4267200"/>
+            <a:ext cx="2819705" cy="2189552"/>
+          </a:xfrm>
+          <a:prstGeom prst="rect">
+            <a:avLst/>
+          </a:prstGeom>
+          <a:noFill/>
+          <a:ln>
+            <a:solidFill>
+              <a:schemeClr val="tx1">
+                <a:lumMod val="85000"/>
+                <a:lumOff val="15000"/>
+              </a:schemeClr>
+            </a:solidFill>
+          </a:ln>
+        </p:spPr>
+        <p:style>
+          <a:lnRef idx="2">
+            <a:schemeClr val="accent1">
+              <a:shade val="50000"/>
+            </a:schemeClr>
+          </a:lnRef>
+          <a:fillRef idx="1">
+            <a:schemeClr val="accent1"/>
+          </a:fillRef>
+          <a:effectRef idx="0">
+            <a:schemeClr val="accent1"/>
+          </a:effectRef>
+          <a:fontRef idx="minor">
+            <a:schemeClr val="lt1"/>
+          </a:fontRef>
+        </p:style>
+        <p:txBody>
+          <a:bodyPr rtlCol="0" anchor="ctr"/>
+          <a:lstStyle/>
+          <a:p>
+            <a:pPr algn="ctr"/>
+            <a:endParaRPr lang="en-US"/>
+          </a:p>
+        </p:txBody>
+      </p:sp>
+      <p:pic>
+        <p:nvPicPr>
+          <p:cNvPr id="1026" name="Picture 2" descr="https://cdn2.iconfinder.com/data/icons/windows-8-metro-style/512/zoom_in.png"/>
+          <p:cNvPicPr>
+            <a:picLocks noChangeAspect="1" noChangeArrowheads="1"/>
+          </p:cNvPicPr>
+          <p:nvPr/>
+        </p:nvPicPr>
+        <p:blipFill>
+          <a:blip r:embed="rId2" cstate="print">
+            <a:extLst>
+              <a:ext uri="{28A0092B-C50C-407E-A947-70E740481C1C}">
+                <a14:useLocalDpi xmlns:a14="http://schemas.microsoft.com/office/drawing/2010/main" val="0"/>
+              </a:ext>
+            </a:extLst>
+          </a:blip>
+          <a:srcRect/>
+          <a:stretch>
+            <a:fillRect/>
+          </a:stretch>
+        </p:blipFill>
+        <p:spPr bwMode="auto">
+          <a:xfrm>
+            <a:off x="385348" y="1893691"/>
+            <a:ext cx="307946" cy="307946"/>
+          </a:xfrm>
+          <a:prstGeom prst="rect">
+            <a:avLst/>
+          </a:prstGeom>
+          <a:noFill/>
+          <a:extLst>
+            <a:ext uri="{909E8E84-426E-40DD-AFC4-6F175D3DCCD1}">
+              <a14:hiddenFill xmlns:a14="http://schemas.microsoft.com/office/drawing/2010/main">
+                <a:solidFill>
+                  <a:srgbClr val="FFFFFF"/>
+                </a:solidFill>
+              </a14:hiddenFill>
+            </a:ext>
+          </a:extLst>
+        </p:spPr>
+      </p:pic>
+      <p:sp>
+        <p:nvSpPr>
+          <p:cNvPr id="26" name="文本框 25"/>
+          <p:cNvSpPr txBox="1"/>
+          <p:nvPr/>
+        </p:nvSpPr>
+        <p:spPr>
+          <a:xfrm>
+            <a:off x="841888" y="1847978"/>
+            <a:ext cx="907479" cy="307777"/>
+          </a:xfrm>
+          <a:prstGeom prst="rect">
+            <a:avLst/>
+          </a:prstGeom>
+          <a:noFill/>
+        </p:spPr>
+        <p:txBody>
+          <a:bodyPr wrap="square" rtlCol="0">
+            <a:spAutoFit/>
+          </a:bodyPr>
+          <a:lstStyle/>
+          <a:p>
+            <a:r>
+              <a:rPr lang="en-US" sz="1400" dirty="0" smtClean="0"/>
+              <a:t>Lens Size</a:t>
+            </a:r>
+            <a:endParaRPr lang="en-US" sz="1400" dirty="0"/>
+          </a:p>
+        </p:txBody>
+      </p:sp>
+      <p:sp>
+        <p:nvSpPr>
+          <p:cNvPr id="27" name="文本框 26"/>
+          <p:cNvSpPr txBox="1"/>
+          <p:nvPr/>
+        </p:nvSpPr>
+        <p:spPr>
+          <a:xfrm>
+            <a:off x="3348521" y="1847978"/>
+            <a:ext cx="1036649" cy="307777"/>
+          </a:xfrm>
+          <a:prstGeom prst="rect">
+            <a:avLst/>
+          </a:prstGeom>
+          <a:noFill/>
+        </p:spPr>
+        <p:txBody>
+          <a:bodyPr wrap="square" rtlCol="0">
+            <a:spAutoFit/>
+          </a:bodyPr>
+          <a:lstStyle/>
+          <a:p>
+            <a:r>
+              <a:rPr lang="en-US" sz="1400" dirty="0" smtClean="0"/>
+              <a:t>Zoom Level</a:t>
+            </a:r>
+            <a:endParaRPr lang="en-US" sz="1400" dirty="0"/>
+          </a:p>
+        </p:txBody>
+      </p:sp>
+      <p:sp>
+        <p:nvSpPr>
+          <p:cNvPr id="28" name="圆角矩形 27"/>
+          <p:cNvSpPr/>
+          <p:nvPr/>
+        </p:nvSpPr>
+        <p:spPr>
+          <a:xfrm>
+            <a:off x="4339775" y="1938383"/>
+            <a:ext cx="1367781" cy="119015"/>
+          </a:xfrm>
+          <a:prstGeom prst="roundRect">
+            <a:avLst/>
+          </a:prstGeom>
+          <a:solidFill>
+            <a:schemeClr val="bg1">
+              <a:lumMod val="95000"/>
+            </a:schemeClr>
+          </a:solidFill>
+          <a:ln>
+            <a:solidFill>
+              <a:schemeClr val="tx1">
+                <a:lumMod val="50000"/>
+                <a:lumOff val="50000"/>
+              </a:schemeClr>
+            </a:solidFill>
+          </a:ln>
+        </p:spPr>
+        <p:style>
+          <a:lnRef idx="2">
+            <a:schemeClr val="accent1">
+              <a:shade val="50000"/>
+            </a:schemeClr>
+          </a:lnRef>
+          <a:fillRef idx="1">
+            <a:schemeClr val="accent1"/>
+          </a:fillRef>
+          <a:effectRef idx="0">
+            <a:schemeClr val="accent1"/>
+          </a:effectRef>
+          <a:fontRef idx="minor">
+            <a:schemeClr val="lt1"/>
+          </a:fontRef>
+        </p:style>
+        <p:txBody>
+          <a:bodyPr rtlCol="0" anchor="ctr"/>
+          <a:lstStyle/>
+          <a:p>
+            <a:pPr algn="ctr"/>
+            <a:endParaRPr lang="en-US"/>
+          </a:p>
+        </p:txBody>
+      </p:sp>
+      <p:sp>
+        <p:nvSpPr>
+          <p:cNvPr id="29" name="圆角矩形 28"/>
+          <p:cNvSpPr/>
+          <p:nvPr/>
+        </p:nvSpPr>
+        <p:spPr>
+          <a:xfrm>
+            <a:off x="1657915" y="1938382"/>
+            <a:ext cx="1367781" cy="119015"/>
+          </a:xfrm>
+          <a:prstGeom prst="roundRect">
+            <a:avLst/>
+          </a:prstGeom>
+          <a:solidFill>
+            <a:schemeClr val="bg1">
+              <a:lumMod val="95000"/>
+            </a:schemeClr>
+          </a:solidFill>
+          <a:ln>
+            <a:solidFill>
+              <a:schemeClr val="tx1">
+                <a:lumMod val="50000"/>
+                <a:lumOff val="50000"/>
+              </a:schemeClr>
+            </a:solidFill>
+          </a:ln>
+        </p:spPr>
+        <p:style>
+          <a:lnRef idx="2">
+            <a:schemeClr val="accent1">
+              <a:shade val="50000"/>
+            </a:schemeClr>
+          </a:lnRef>
+          <a:fillRef idx="1">
+            <a:schemeClr val="accent1"/>
+          </a:fillRef>
+          <a:effectRef idx="0">
+            <a:schemeClr val="accent1"/>
+          </a:effectRef>
+          <a:fontRef idx="minor">
+            <a:schemeClr val="lt1"/>
+          </a:fontRef>
+        </p:style>
+        <p:txBody>
+          <a:bodyPr rtlCol="0" anchor="ctr"/>
+          <a:lstStyle/>
+          <a:p>
+            <a:pPr algn="ctr"/>
+            <a:endParaRPr lang="en-US"/>
+          </a:p>
+        </p:txBody>
+      </p:sp>
+      <p:sp>
+        <p:nvSpPr>
+          <p:cNvPr id="30" name="文本框 29"/>
+          <p:cNvSpPr txBox="1"/>
+          <p:nvPr/>
+        </p:nvSpPr>
+        <p:spPr>
+          <a:xfrm>
+            <a:off x="6041004" y="398443"/>
+            <a:ext cx="907479" cy="307777"/>
+          </a:xfrm>
+          <a:prstGeom prst="rect">
+            <a:avLst/>
+          </a:prstGeom>
+          <a:noFill/>
+        </p:spPr>
+        <p:txBody>
+          <a:bodyPr wrap="square" rtlCol="0">
+            <a:spAutoFit/>
+          </a:bodyPr>
+          <a:lstStyle/>
+          <a:p>
+            <a:r>
+              <a:rPr lang="en-US" sz="1400" dirty="0" smtClean="0"/>
+              <a:t>Proximity</a:t>
+            </a:r>
+            <a:endParaRPr lang="en-US" sz="1400" dirty="0"/>
+          </a:p>
+        </p:txBody>
+      </p:sp>
+      <p:sp>
+        <p:nvSpPr>
+          <p:cNvPr id="31" name="文本框 30"/>
+          <p:cNvSpPr txBox="1"/>
+          <p:nvPr/>
+        </p:nvSpPr>
+        <p:spPr>
+          <a:xfrm>
+            <a:off x="6041004" y="714118"/>
+            <a:ext cx="907479" cy="307777"/>
+          </a:xfrm>
+          <a:prstGeom prst="rect">
+            <a:avLst/>
+          </a:prstGeom>
+          <a:noFill/>
+        </p:spPr>
+        <p:txBody>
+          <a:bodyPr wrap="square" rtlCol="0">
+            <a:spAutoFit/>
+          </a:bodyPr>
+          <a:lstStyle/>
+          <a:p>
+            <a:r>
+              <a:rPr lang="en-US" sz="1400" dirty="0" smtClean="0"/>
+              <a:t>Similarity</a:t>
+            </a:r>
+            <a:endParaRPr lang="en-US" sz="1400" dirty="0"/>
+          </a:p>
+        </p:txBody>
+      </p:sp>
+      <p:sp>
+        <p:nvSpPr>
+          <p:cNvPr id="32" name="文本框 31"/>
+          <p:cNvSpPr txBox="1"/>
+          <p:nvPr/>
+        </p:nvSpPr>
+        <p:spPr>
+          <a:xfrm>
+            <a:off x="6021275" y="1029793"/>
+            <a:ext cx="1846810" cy="307777"/>
+          </a:xfrm>
+          <a:prstGeom prst="rect">
+            <a:avLst/>
+          </a:prstGeom>
+          <a:noFill/>
+        </p:spPr>
+        <p:txBody>
+          <a:bodyPr wrap="square" rtlCol="0">
+            <a:spAutoFit/>
+          </a:bodyPr>
+          <a:lstStyle/>
+          <a:p>
+            <a:r>
+              <a:rPr lang="en-US" sz="1400" dirty="0" smtClean="0"/>
+              <a:t>Number of Neighbors</a:t>
+            </a:r>
+            <a:endParaRPr lang="en-US" sz="1400" dirty="0"/>
+          </a:p>
+        </p:txBody>
+      </p:sp>
+      <p:sp>
+        <p:nvSpPr>
+          <p:cNvPr id="33" name="圆角矩形 32"/>
+          <p:cNvSpPr/>
+          <p:nvPr/>
+        </p:nvSpPr>
+        <p:spPr>
+          <a:xfrm>
+            <a:off x="6932160" y="524430"/>
+            <a:ext cx="951362" cy="111718"/>
+          </a:xfrm>
+          <a:prstGeom prst="roundRect">
+            <a:avLst/>
+          </a:prstGeom>
+          <a:solidFill>
+            <a:schemeClr val="bg1">
+              <a:lumMod val="95000"/>
+            </a:schemeClr>
+          </a:solidFill>
+          <a:ln>
+            <a:solidFill>
+              <a:schemeClr val="tx1">
+                <a:lumMod val="50000"/>
+                <a:lumOff val="50000"/>
+              </a:schemeClr>
+            </a:solidFill>
+          </a:ln>
+        </p:spPr>
+        <p:style>
+          <a:lnRef idx="2">
+            <a:schemeClr val="accent1">
+              <a:shade val="50000"/>
+            </a:schemeClr>
+          </a:lnRef>
+          <a:fillRef idx="1">
+            <a:schemeClr val="accent1"/>
+          </a:fillRef>
+          <a:effectRef idx="0">
+            <a:schemeClr val="accent1"/>
+          </a:effectRef>
+          <a:fontRef idx="minor">
+            <a:schemeClr val="lt1"/>
+          </a:fontRef>
+        </p:style>
+        <p:txBody>
+          <a:bodyPr rtlCol="0" anchor="ctr"/>
+          <a:lstStyle/>
+          <a:p>
+            <a:pPr algn="ctr"/>
+            <a:endParaRPr lang="en-US"/>
+          </a:p>
+        </p:txBody>
+      </p:sp>
+      <p:sp>
+        <p:nvSpPr>
+          <p:cNvPr id="34" name="圆角矩形 33"/>
+          <p:cNvSpPr/>
+          <p:nvPr/>
+        </p:nvSpPr>
+        <p:spPr>
+          <a:xfrm>
+            <a:off x="6932160" y="805135"/>
+            <a:ext cx="951362" cy="111718"/>
+          </a:xfrm>
+          <a:prstGeom prst="roundRect">
+            <a:avLst/>
+          </a:prstGeom>
+          <a:solidFill>
+            <a:schemeClr val="bg1">
+              <a:lumMod val="95000"/>
+            </a:schemeClr>
+          </a:solidFill>
+          <a:ln>
+            <a:solidFill>
+              <a:schemeClr val="tx1">
+                <a:lumMod val="50000"/>
+                <a:lumOff val="50000"/>
+              </a:schemeClr>
+            </a:solidFill>
+          </a:ln>
+        </p:spPr>
+        <p:style>
+          <a:lnRef idx="2">
+            <a:schemeClr val="accent1">
+              <a:shade val="50000"/>
+            </a:schemeClr>
+          </a:lnRef>
+          <a:fillRef idx="1">
+            <a:schemeClr val="accent1"/>
+          </a:fillRef>
+          <a:effectRef idx="0">
+            <a:schemeClr val="accent1"/>
+          </a:effectRef>
+          <a:fontRef idx="minor">
+            <a:schemeClr val="lt1"/>
+          </a:fontRef>
+        </p:style>
+        <p:txBody>
+          <a:bodyPr rtlCol="0" anchor="ctr"/>
+          <a:lstStyle/>
+          <a:p>
+            <a:pPr algn="ctr"/>
+            <a:endParaRPr lang="en-US"/>
+          </a:p>
+        </p:txBody>
+      </p:sp>
+      <p:sp>
+        <p:nvSpPr>
+          <p:cNvPr id="35" name="矩形 34"/>
+          <p:cNvSpPr/>
+          <p:nvPr/>
+        </p:nvSpPr>
+        <p:spPr>
+          <a:xfrm>
+            <a:off x="7782339" y="1093994"/>
+            <a:ext cx="324316" cy="176705"/>
+          </a:xfrm>
+          <a:prstGeom prst="rect">
+            <a:avLst/>
+          </a:prstGeom>
+          <a:noFill/>
+          <a:ln>
+            <a:solidFill>
+              <a:schemeClr val="tx1">
+                <a:lumMod val="75000"/>
+                <a:lumOff val="25000"/>
+              </a:schemeClr>
+            </a:solidFill>
+          </a:ln>
+        </p:spPr>
+        <p:style>
+          <a:lnRef idx="2">
+            <a:schemeClr val="accent1">
+              <a:shade val="50000"/>
+            </a:schemeClr>
+          </a:lnRef>
+          <a:fillRef idx="1">
+            <a:schemeClr val="accent1"/>
+          </a:fillRef>
+          <a:effectRef idx="0">
+            <a:schemeClr val="accent1"/>
+          </a:effectRef>
+          <a:fontRef idx="minor">
+            <a:schemeClr val="lt1"/>
+          </a:fontRef>
+        </p:style>
+        <p:txBody>
+          <a:bodyPr rtlCol="0" anchor="ctr"/>
+          <a:lstStyle/>
+          <a:p>
+            <a:pPr algn="ctr"/>
+            <a:endParaRPr lang="en-US"/>
+          </a:p>
+        </p:txBody>
+      </p:sp>
+      <p:sp>
+        <p:nvSpPr>
+          <p:cNvPr id="36" name="矩形 35"/>
+          <p:cNvSpPr/>
+          <p:nvPr/>
+        </p:nvSpPr>
+        <p:spPr>
+          <a:xfrm>
+            <a:off x="4727603" y="606750"/>
+            <a:ext cx="217714" cy="228600"/>
+          </a:xfrm>
+          <a:prstGeom prst="rect">
+            <a:avLst/>
+          </a:prstGeom>
+          <a:noFill/>
+          <a:ln>
+            <a:solidFill>
+              <a:schemeClr val="tx1">
+                <a:lumMod val="75000"/>
+                <a:lumOff val="25000"/>
+              </a:schemeClr>
+            </a:solidFill>
+          </a:ln>
+        </p:spPr>
+        <p:style>
+          <a:lnRef idx="2">
+            <a:schemeClr val="accent1">
+              <a:shade val="50000"/>
+            </a:schemeClr>
+          </a:lnRef>
+          <a:fillRef idx="1">
+            <a:schemeClr val="accent1"/>
+          </a:fillRef>
+          <a:effectRef idx="0">
+            <a:schemeClr val="accent1"/>
+          </a:effectRef>
+          <a:fontRef idx="minor">
+            <a:schemeClr val="lt1"/>
+          </a:fontRef>
+        </p:style>
+        <p:txBody>
+          <a:bodyPr rtlCol="0" anchor="ctr"/>
+          <a:lstStyle/>
+          <a:p>
+            <a:pPr algn="ctr"/>
+            <a:endParaRPr lang="en-US"/>
+          </a:p>
+        </p:txBody>
+      </p:sp>
+      <p:sp>
+        <p:nvSpPr>
+          <p:cNvPr id="37" name="矩形 36"/>
+          <p:cNvSpPr/>
+          <p:nvPr/>
+        </p:nvSpPr>
+        <p:spPr>
+          <a:xfrm>
+            <a:off x="8024286" y="792122"/>
+            <a:ext cx="108857" cy="142201"/>
+          </a:xfrm>
+          <a:prstGeom prst="rect">
+            <a:avLst/>
+          </a:prstGeom>
+          <a:noFill/>
+          <a:ln>
+            <a:solidFill>
+              <a:schemeClr val="tx1">
+                <a:lumMod val="75000"/>
+                <a:lumOff val="25000"/>
+              </a:schemeClr>
+            </a:solidFill>
+          </a:ln>
+        </p:spPr>
+        <p:style>
+          <a:lnRef idx="2">
+            <a:schemeClr val="accent1">
+              <a:shade val="50000"/>
+            </a:schemeClr>
+          </a:lnRef>
+          <a:fillRef idx="1">
+            <a:schemeClr val="accent1"/>
+          </a:fillRef>
+          <a:effectRef idx="0">
+            <a:schemeClr val="accent1"/>
+          </a:effectRef>
+          <a:fontRef idx="minor">
+            <a:schemeClr val="lt1"/>
+          </a:fontRef>
+        </p:style>
+        <p:txBody>
+          <a:bodyPr rtlCol="0" anchor="ctr"/>
+          <a:lstStyle/>
+          <a:p>
+            <a:pPr algn="ctr"/>
+            <a:endParaRPr lang="en-US"/>
+          </a:p>
+        </p:txBody>
+      </p:sp>
+      <p:sp>
+        <p:nvSpPr>
+          <p:cNvPr id="39" name="文本框 38"/>
+          <p:cNvSpPr txBox="1"/>
+          <p:nvPr/>
+        </p:nvSpPr>
+        <p:spPr>
+          <a:xfrm>
+            <a:off x="8135277" y="411671"/>
+            <a:ext cx="768061" cy="307777"/>
+          </a:xfrm>
+          <a:prstGeom prst="rect">
+            <a:avLst/>
+          </a:prstGeom>
+          <a:noFill/>
+        </p:spPr>
+        <p:txBody>
+          <a:bodyPr wrap="square" rtlCol="0">
+            <a:spAutoFit/>
+          </a:bodyPr>
+          <a:lstStyle/>
+          <a:p>
+            <a:r>
+              <a:rPr lang="en-US" sz="1400" dirty="0" smtClean="0"/>
+              <a:t>Primary</a:t>
+            </a:r>
+            <a:endParaRPr lang="en-US" sz="1400" dirty="0"/>
+          </a:p>
+        </p:txBody>
+      </p:sp>
+      <p:sp>
+        <p:nvSpPr>
+          <p:cNvPr id="40" name="文本框 39"/>
+          <p:cNvSpPr txBox="1"/>
+          <p:nvPr/>
+        </p:nvSpPr>
+        <p:spPr>
+          <a:xfrm>
+            <a:off x="8135277" y="714245"/>
+            <a:ext cx="768061" cy="307777"/>
+          </a:xfrm>
+          <a:prstGeom prst="rect">
+            <a:avLst/>
+          </a:prstGeom>
+          <a:noFill/>
+        </p:spPr>
+        <p:txBody>
+          <a:bodyPr wrap="square" rtlCol="0">
+            <a:spAutoFit/>
+          </a:bodyPr>
+          <a:lstStyle/>
+          <a:p>
+            <a:r>
+              <a:rPr lang="en-US" sz="1400" dirty="0" smtClean="0"/>
+              <a:t>Primary</a:t>
+            </a:r>
+            <a:endParaRPr lang="en-US" sz="1400" dirty="0"/>
+          </a:p>
+        </p:txBody>
+      </p:sp>
+      <p:sp>
+        <p:nvSpPr>
+          <p:cNvPr id="25" name="任意多边形 24"/>
+          <p:cNvSpPr/>
+          <p:nvPr/>
+        </p:nvSpPr>
+        <p:spPr>
+          <a:xfrm>
+            <a:off x="288235" y="1162738"/>
+            <a:ext cx="5510394" cy="377915"/>
+          </a:xfrm>
+          <a:custGeom>
+            <a:avLst/>
+            <a:gdLst>
+              <a:gd name="connsiteX0" fmla="*/ 0 w 5510394"/>
+              <a:gd name="connsiteY0" fmla="*/ 367888 h 377915"/>
+              <a:gd name="connsiteX1" fmla="*/ 298174 w 5510394"/>
+              <a:gd name="connsiteY1" fmla="*/ 348010 h 377915"/>
+              <a:gd name="connsiteX2" fmla="*/ 477078 w 5510394"/>
+              <a:gd name="connsiteY2" fmla="*/ 367888 h 377915"/>
+              <a:gd name="connsiteX3" fmla="*/ 546652 w 5510394"/>
+              <a:gd name="connsiteY3" fmla="*/ 288375 h 377915"/>
+              <a:gd name="connsiteX4" fmla="*/ 695739 w 5510394"/>
+              <a:gd name="connsiteY4" fmla="*/ 377827 h 377915"/>
+              <a:gd name="connsiteX5" fmla="*/ 805069 w 5510394"/>
+              <a:gd name="connsiteY5" fmla="*/ 268497 h 377915"/>
+              <a:gd name="connsiteX6" fmla="*/ 1033669 w 5510394"/>
+              <a:gd name="connsiteY6" fmla="*/ 308253 h 377915"/>
+              <a:gd name="connsiteX7" fmla="*/ 1152939 w 5510394"/>
+              <a:gd name="connsiteY7" fmla="*/ 129349 h 377915"/>
+              <a:gd name="connsiteX8" fmla="*/ 1302026 w 5510394"/>
+              <a:gd name="connsiteY8" fmla="*/ 99532 h 377915"/>
+              <a:gd name="connsiteX9" fmla="*/ 1480930 w 5510394"/>
+              <a:gd name="connsiteY9" fmla="*/ 69714 h 377915"/>
+              <a:gd name="connsiteX10" fmla="*/ 1600200 w 5510394"/>
+              <a:gd name="connsiteY10" fmla="*/ 140 h 377915"/>
+              <a:gd name="connsiteX11" fmla="*/ 1749287 w 5510394"/>
+              <a:gd name="connsiteY11" fmla="*/ 89592 h 377915"/>
+              <a:gd name="connsiteX12" fmla="*/ 1918252 w 5510394"/>
+              <a:gd name="connsiteY12" fmla="*/ 169105 h 377915"/>
+              <a:gd name="connsiteX13" fmla="*/ 2047461 w 5510394"/>
+              <a:gd name="connsiteY13" fmla="*/ 139288 h 377915"/>
+              <a:gd name="connsiteX14" fmla="*/ 2176669 w 5510394"/>
+              <a:gd name="connsiteY14" fmla="*/ 169105 h 377915"/>
+              <a:gd name="connsiteX15" fmla="*/ 2375452 w 5510394"/>
+              <a:gd name="connsiteY15" fmla="*/ 188984 h 377915"/>
+              <a:gd name="connsiteX16" fmla="*/ 2514600 w 5510394"/>
+              <a:gd name="connsiteY16" fmla="*/ 218801 h 377915"/>
+              <a:gd name="connsiteX17" fmla="*/ 2882348 w 5510394"/>
+              <a:gd name="connsiteY17" fmla="*/ 248619 h 377915"/>
+              <a:gd name="connsiteX18" fmla="*/ 3299791 w 5510394"/>
+              <a:gd name="connsiteY18" fmla="*/ 278436 h 377915"/>
+              <a:gd name="connsiteX19" fmla="*/ 3468756 w 5510394"/>
+              <a:gd name="connsiteY19" fmla="*/ 268497 h 377915"/>
+              <a:gd name="connsiteX20" fmla="*/ 3647661 w 5510394"/>
+              <a:gd name="connsiteY20" fmla="*/ 238679 h 377915"/>
+              <a:gd name="connsiteX21" fmla="*/ 3796748 w 5510394"/>
+              <a:gd name="connsiteY21" fmla="*/ 308253 h 377915"/>
+              <a:gd name="connsiteX22" fmla="*/ 3796748 w 5510394"/>
+              <a:gd name="connsiteY22" fmla="*/ 318192 h 377915"/>
+              <a:gd name="connsiteX23" fmla="*/ 4025348 w 5510394"/>
+              <a:gd name="connsiteY23" fmla="*/ 268497 h 377915"/>
+              <a:gd name="connsiteX24" fmla="*/ 4303643 w 5510394"/>
+              <a:gd name="connsiteY24" fmla="*/ 268497 h 377915"/>
+              <a:gd name="connsiteX25" fmla="*/ 4442791 w 5510394"/>
+              <a:gd name="connsiteY25" fmla="*/ 278436 h 377915"/>
+              <a:gd name="connsiteX26" fmla="*/ 4731026 w 5510394"/>
+              <a:gd name="connsiteY26" fmla="*/ 338071 h 377915"/>
+              <a:gd name="connsiteX27" fmla="*/ 4870174 w 5510394"/>
+              <a:gd name="connsiteY27" fmla="*/ 318192 h 377915"/>
+              <a:gd name="connsiteX28" fmla="*/ 4979504 w 5510394"/>
+              <a:gd name="connsiteY28" fmla="*/ 268497 h 377915"/>
+              <a:gd name="connsiteX29" fmla="*/ 5198165 w 5510394"/>
+              <a:gd name="connsiteY29" fmla="*/ 278436 h 377915"/>
+              <a:gd name="connsiteX30" fmla="*/ 5327374 w 5510394"/>
+              <a:gd name="connsiteY30" fmla="*/ 308253 h 377915"/>
+              <a:gd name="connsiteX31" fmla="*/ 5436704 w 5510394"/>
+              <a:gd name="connsiteY31" fmla="*/ 308253 h 377915"/>
+              <a:gd name="connsiteX32" fmla="*/ 5506278 w 5510394"/>
+              <a:gd name="connsiteY32" fmla="*/ 288375 h 377915"/>
+              <a:gd name="connsiteX33" fmla="*/ 5496339 w 5510394"/>
+              <a:gd name="connsiteY33" fmla="*/ 308253 h 377915"/>
+            </a:gdLst>
+            <a:ahLst/>
+            <a:cxnLst>
+              <a:cxn ang="0">
+                <a:pos x="connsiteX0" y="connsiteY0"/>
+              </a:cxn>
+              <a:cxn ang="0">
+                <a:pos x="connsiteX1" y="connsiteY1"/>
+              </a:cxn>
+              <a:cxn ang="0">
+                <a:pos x="connsiteX2" y="connsiteY2"/>
+              </a:cxn>
+              <a:cxn ang="0">
+                <a:pos x="connsiteX3" y="connsiteY3"/>
+              </a:cxn>
+              <a:cxn ang="0">
+                <a:pos x="connsiteX4" y="connsiteY4"/>
+              </a:cxn>
+              <a:cxn ang="0">
+                <a:pos x="connsiteX5" y="connsiteY5"/>
+              </a:cxn>
+              <a:cxn ang="0">
+                <a:pos x="connsiteX6" y="connsiteY6"/>
+              </a:cxn>
+              <a:cxn ang="0">
+                <a:pos x="connsiteX7" y="connsiteY7"/>
+              </a:cxn>
+              <a:cxn ang="0">
+                <a:pos x="connsiteX8" y="connsiteY8"/>
+              </a:cxn>
+              <a:cxn ang="0">
+                <a:pos x="connsiteX9" y="connsiteY9"/>
+              </a:cxn>
+              <a:cxn ang="0">
+                <a:pos x="connsiteX10" y="connsiteY10"/>
+              </a:cxn>
+              <a:cxn ang="0">
+                <a:pos x="connsiteX11" y="connsiteY11"/>
+              </a:cxn>
+              <a:cxn ang="0">
+                <a:pos x="connsiteX12" y="connsiteY12"/>
+              </a:cxn>
+              <a:cxn ang="0">
+                <a:pos x="connsiteX13" y="connsiteY13"/>
+              </a:cxn>
+              <a:cxn ang="0">
+                <a:pos x="connsiteX14" y="connsiteY14"/>
+              </a:cxn>
+              <a:cxn ang="0">
+                <a:pos x="connsiteX15" y="connsiteY15"/>
+              </a:cxn>
+              <a:cxn ang="0">
+                <a:pos x="connsiteX16" y="connsiteY16"/>
+              </a:cxn>
+              <a:cxn ang="0">
+                <a:pos x="connsiteX17" y="connsiteY17"/>
+              </a:cxn>
+              <a:cxn ang="0">
+                <a:pos x="connsiteX18" y="connsiteY18"/>
+              </a:cxn>
+              <a:cxn ang="0">
+                <a:pos x="connsiteX19" y="connsiteY19"/>
+              </a:cxn>
+              <a:cxn ang="0">
+                <a:pos x="connsiteX20" y="connsiteY20"/>
+              </a:cxn>
+              <a:cxn ang="0">
+                <a:pos x="connsiteX21" y="connsiteY21"/>
+              </a:cxn>
+              <a:cxn ang="0">
+                <a:pos x="connsiteX22" y="connsiteY22"/>
+              </a:cxn>
+              <a:cxn ang="0">
+                <a:pos x="connsiteX23" y="connsiteY23"/>
+              </a:cxn>
+              <a:cxn ang="0">
+                <a:pos x="connsiteX24" y="connsiteY24"/>
+              </a:cxn>
+              <a:cxn ang="0">
+                <a:pos x="connsiteX25" y="connsiteY25"/>
+              </a:cxn>
+              <a:cxn ang="0">
+                <a:pos x="connsiteX26" y="connsiteY26"/>
+              </a:cxn>
+              <a:cxn ang="0">
+                <a:pos x="connsiteX27" y="connsiteY27"/>
+              </a:cxn>
+              <a:cxn ang="0">
+                <a:pos x="connsiteX28" y="connsiteY28"/>
+              </a:cxn>
+              <a:cxn ang="0">
+                <a:pos x="connsiteX29" y="connsiteY29"/>
+              </a:cxn>
+              <a:cxn ang="0">
+                <a:pos x="connsiteX30" y="connsiteY30"/>
+              </a:cxn>
+              <a:cxn ang="0">
+                <a:pos x="connsiteX31" y="connsiteY31"/>
+              </a:cxn>
+              <a:cxn ang="0">
+                <a:pos x="connsiteX32" y="connsiteY32"/>
+              </a:cxn>
+              <a:cxn ang="0">
+                <a:pos x="connsiteX33" y="connsiteY33"/>
+              </a:cxn>
+            </a:cxnLst>
+            <a:rect l="l" t="t" r="r" b="b"/>
+            <a:pathLst>
+              <a:path w="5510394" h="377915">
+                <a:moveTo>
+                  <a:pt x="0" y="367888"/>
+                </a:moveTo>
+                <a:cubicBezTo>
+                  <a:pt x="109330" y="357949"/>
+                  <a:pt x="218661" y="348010"/>
+                  <a:pt x="298174" y="348010"/>
+                </a:cubicBezTo>
+                <a:cubicBezTo>
+                  <a:pt x="377687" y="348010"/>
+                  <a:pt x="435665" y="377827"/>
+                  <a:pt x="477078" y="367888"/>
+                </a:cubicBezTo>
+                <a:cubicBezTo>
+                  <a:pt x="518491" y="357949"/>
+                  <a:pt x="510209" y="286719"/>
+                  <a:pt x="546652" y="288375"/>
+                </a:cubicBezTo>
+                <a:cubicBezTo>
+                  <a:pt x="583095" y="290031"/>
+                  <a:pt x="652670" y="381140"/>
+                  <a:pt x="695739" y="377827"/>
+                </a:cubicBezTo>
+                <a:cubicBezTo>
+                  <a:pt x="738809" y="374514"/>
+                  <a:pt x="748747" y="280093"/>
+                  <a:pt x="805069" y="268497"/>
+                </a:cubicBezTo>
+                <a:cubicBezTo>
+                  <a:pt x="861391" y="256901"/>
+                  <a:pt x="975691" y="331444"/>
+                  <a:pt x="1033669" y="308253"/>
+                </a:cubicBezTo>
+                <a:cubicBezTo>
+                  <a:pt x="1091647" y="285062"/>
+                  <a:pt x="1108213" y="164136"/>
+                  <a:pt x="1152939" y="129349"/>
+                </a:cubicBezTo>
+                <a:cubicBezTo>
+                  <a:pt x="1197665" y="94562"/>
+                  <a:pt x="1247361" y="109471"/>
+                  <a:pt x="1302026" y="99532"/>
+                </a:cubicBezTo>
+                <a:cubicBezTo>
+                  <a:pt x="1356691" y="89593"/>
+                  <a:pt x="1431234" y="86279"/>
+                  <a:pt x="1480930" y="69714"/>
+                </a:cubicBezTo>
+                <a:cubicBezTo>
+                  <a:pt x="1530626" y="53149"/>
+                  <a:pt x="1555474" y="-3173"/>
+                  <a:pt x="1600200" y="140"/>
+                </a:cubicBezTo>
+                <a:cubicBezTo>
+                  <a:pt x="1644926" y="3453"/>
+                  <a:pt x="1696278" y="61431"/>
+                  <a:pt x="1749287" y="89592"/>
+                </a:cubicBezTo>
+                <a:cubicBezTo>
+                  <a:pt x="1802296" y="117753"/>
+                  <a:pt x="1868556" y="160822"/>
+                  <a:pt x="1918252" y="169105"/>
+                </a:cubicBezTo>
+                <a:cubicBezTo>
+                  <a:pt x="1967948" y="177388"/>
+                  <a:pt x="2004392" y="139288"/>
+                  <a:pt x="2047461" y="139288"/>
+                </a:cubicBezTo>
+                <a:cubicBezTo>
+                  <a:pt x="2090530" y="139288"/>
+                  <a:pt x="2122004" y="160822"/>
+                  <a:pt x="2176669" y="169105"/>
+                </a:cubicBezTo>
+                <a:cubicBezTo>
+                  <a:pt x="2231334" y="177388"/>
+                  <a:pt x="2319130" y="180701"/>
+                  <a:pt x="2375452" y="188984"/>
+                </a:cubicBezTo>
+                <a:cubicBezTo>
+                  <a:pt x="2431774" y="197267"/>
+                  <a:pt x="2430117" y="208862"/>
+                  <a:pt x="2514600" y="218801"/>
+                </a:cubicBezTo>
+                <a:cubicBezTo>
+                  <a:pt x="2599083" y="228740"/>
+                  <a:pt x="2882348" y="248619"/>
+                  <a:pt x="2882348" y="248619"/>
+                </a:cubicBezTo>
+                <a:cubicBezTo>
+                  <a:pt x="3013213" y="258558"/>
+                  <a:pt x="3202057" y="275123"/>
+                  <a:pt x="3299791" y="278436"/>
+                </a:cubicBezTo>
+                <a:cubicBezTo>
+                  <a:pt x="3397525" y="281749"/>
+                  <a:pt x="3410778" y="275123"/>
+                  <a:pt x="3468756" y="268497"/>
+                </a:cubicBezTo>
+                <a:cubicBezTo>
+                  <a:pt x="3526734" y="261871"/>
+                  <a:pt x="3592996" y="232053"/>
+                  <a:pt x="3647661" y="238679"/>
+                </a:cubicBezTo>
+                <a:cubicBezTo>
+                  <a:pt x="3702326" y="245305"/>
+                  <a:pt x="3771900" y="295001"/>
+                  <a:pt x="3796748" y="308253"/>
+                </a:cubicBezTo>
+                <a:cubicBezTo>
+                  <a:pt x="3821596" y="321505"/>
+                  <a:pt x="3758648" y="324818"/>
+                  <a:pt x="3796748" y="318192"/>
+                </a:cubicBezTo>
+                <a:cubicBezTo>
+                  <a:pt x="3834848" y="311566"/>
+                  <a:pt x="3940865" y="276780"/>
+                  <a:pt x="4025348" y="268497"/>
+                </a:cubicBezTo>
+                <a:cubicBezTo>
+                  <a:pt x="4109831" y="260214"/>
+                  <a:pt x="4234069" y="266841"/>
+                  <a:pt x="4303643" y="268497"/>
+                </a:cubicBezTo>
+                <a:cubicBezTo>
+                  <a:pt x="4373217" y="270153"/>
+                  <a:pt x="4371561" y="266840"/>
+                  <a:pt x="4442791" y="278436"/>
+                </a:cubicBezTo>
+                <a:cubicBezTo>
+                  <a:pt x="4514021" y="290032"/>
+                  <a:pt x="4659796" y="331445"/>
+                  <a:pt x="4731026" y="338071"/>
+                </a:cubicBezTo>
+                <a:cubicBezTo>
+                  <a:pt x="4802256" y="344697"/>
+                  <a:pt x="4828761" y="329788"/>
+                  <a:pt x="4870174" y="318192"/>
+                </a:cubicBezTo>
+                <a:cubicBezTo>
+                  <a:pt x="4911587" y="306596"/>
+                  <a:pt x="4924839" y="275123"/>
+                  <a:pt x="4979504" y="268497"/>
+                </a:cubicBezTo>
+                <a:cubicBezTo>
+                  <a:pt x="5034169" y="261871"/>
+                  <a:pt x="5140187" y="271810"/>
+                  <a:pt x="5198165" y="278436"/>
+                </a:cubicBezTo>
+                <a:cubicBezTo>
+                  <a:pt x="5256143" y="285062"/>
+                  <a:pt x="5287618" y="303284"/>
+                  <a:pt x="5327374" y="308253"/>
+                </a:cubicBezTo>
+                <a:cubicBezTo>
+                  <a:pt x="5367130" y="313222"/>
+                  <a:pt x="5406887" y="311566"/>
+                  <a:pt x="5436704" y="308253"/>
+                </a:cubicBezTo>
+                <a:cubicBezTo>
+                  <a:pt x="5466521" y="304940"/>
+                  <a:pt x="5496339" y="288375"/>
+                  <a:pt x="5506278" y="288375"/>
+                </a:cubicBezTo>
+                <a:cubicBezTo>
+                  <a:pt x="5516217" y="288375"/>
+                  <a:pt x="5506278" y="298314"/>
+                  <a:pt x="5496339" y="308253"/>
+                </a:cubicBezTo>
+              </a:path>
+            </a:pathLst>
+          </a:custGeom>
+          <a:noFill/>
+        </p:spPr>
+        <p:style>
+          <a:lnRef idx="2">
+            <a:schemeClr val="accent1">
+              <a:shade val="50000"/>
+            </a:schemeClr>
+          </a:lnRef>
+          <a:fillRef idx="1">
+            <a:schemeClr val="accent1"/>
+          </a:fillRef>
+          <a:effectRef idx="0">
+            <a:schemeClr val="accent1"/>
+          </a:effectRef>
+          <a:fontRef idx="minor">
+            <a:schemeClr val="lt1"/>
+          </a:fontRef>
+        </p:style>
+        <p:txBody>
+          <a:bodyPr rtlCol="0" anchor="ctr"/>
+          <a:lstStyle/>
+          <a:p>
+            <a:pPr algn="ctr"/>
+            <a:endParaRPr lang="en-US"/>
+          </a:p>
+        </p:txBody>
+      </p:sp>
+      <p:grpSp>
+        <p:nvGrpSpPr>
+          <p:cNvPr id="42" name="组合 41"/>
+          <p:cNvGrpSpPr/>
+          <p:nvPr/>
+        </p:nvGrpSpPr>
+        <p:grpSpPr>
+          <a:xfrm>
+            <a:off x="820035" y="972298"/>
+            <a:ext cx="1388878" cy="859526"/>
+            <a:chOff x="820035" y="972298"/>
+            <a:chExt cx="1388878" cy="859526"/>
+          </a:xfrm>
+        </p:grpSpPr>
+        <p:sp>
+          <p:nvSpPr>
+            <p:cNvPr id="23" name="矩形 22"/>
+            <p:cNvSpPr/>
+            <p:nvPr/>
+          </p:nvSpPr>
+          <p:spPr>
+            <a:xfrm>
+              <a:off x="869637" y="972298"/>
+              <a:ext cx="1289674" cy="734785"/>
+            </a:xfrm>
+            <a:prstGeom prst="rect">
+              <a:avLst/>
+            </a:prstGeom>
+            <a:noFill/>
+            <a:ln w="19050">
+              <a:solidFill>
+                <a:schemeClr val="tx1">
+                  <a:lumMod val="75000"/>
+                  <a:lumOff val="25000"/>
+                </a:schemeClr>
+              </a:solidFill>
+            </a:ln>
+          </p:spPr>
+          <p:style>
+            <a:lnRef idx="2">
+              <a:schemeClr val="accent1">
+                <a:shade val="50000"/>
+              </a:schemeClr>
+            </a:lnRef>
+            <a:fillRef idx="1">
+              <a:schemeClr val="accent1"/>
+            </a:fillRef>
+            <a:effectRef idx="0">
+              <a:schemeClr val="accent1"/>
+            </a:effectRef>
+            <a:fontRef idx="minor">
+              <a:schemeClr val="lt1"/>
+            </a:fontRef>
+          </p:style>
+          <p:txBody>
+            <a:bodyPr rtlCol="0" anchor="ctr"/>
+            <a:lstStyle/>
+            <a:p>
+              <a:pPr algn="ctr"/>
+              <a:endParaRPr lang="en-US"/>
+            </a:p>
+          </p:txBody>
+        </p:sp>
+        <p:sp>
+          <p:nvSpPr>
+            <p:cNvPr id="41" name="等腰三角形 40"/>
+            <p:cNvSpPr/>
+            <p:nvPr/>
+          </p:nvSpPr>
+          <p:spPr>
+            <a:xfrm>
+              <a:off x="2119026" y="1712080"/>
+              <a:ext cx="89887" cy="119744"/>
+            </a:xfrm>
+            <a:prstGeom prst="triangle">
+              <a:avLst/>
+            </a:prstGeom>
+            <a:solidFill>
+              <a:schemeClr val="tx1">
+                <a:lumMod val="75000"/>
+                <a:lumOff val="25000"/>
+              </a:schemeClr>
+            </a:solidFill>
+            <a:ln>
+              <a:solidFill>
+                <a:schemeClr val="tx1">
+                  <a:lumMod val="75000"/>
+                  <a:lumOff val="25000"/>
+                </a:schemeClr>
+              </a:solidFill>
+            </a:ln>
+          </p:spPr>
+          <p:style>
+            <a:lnRef idx="2">
+              <a:schemeClr val="accent1">
+                <a:shade val="50000"/>
+              </a:schemeClr>
+            </a:lnRef>
+            <a:fillRef idx="1">
+              <a:schemeClr val="accent1"/>
+            </a:fillRef>
+            <a:effectRef idx="0">
+              <a:schemeClr val="accent1"/>
+            </a:effectRef>
+            <a:fontRef idx="minor">
+              <a:schemeClr val="lt1"/>
+            </a:fontRef>
+          </p:style>
+          <p:txBody>
+            <a:bodyPr rtlCol="0" anchor="ctr"/>
+            <a:lstStyle/>
+            <a:p>
+              <a:pPr algn="ctr"/>
+              <a:endParaRPr lang="en-US"/>
+            </a:p>
+          </p:txBody>
+        </p:sp>
+        <p:sp>
+          <p:nvSpPr>
+            <p:cNvPr id="43" name="等腰三角形 42"/>
+            <p:cNvSpPr/>
+            <p:nvPr/>
+          </p:nvSpPr>
+          <p:spPr>
+            <a:xfrm>
+              <a:off x="820035" y="1712080"/>
+              <a:ext cx="89887" cy="119744"/>
+            </a:xfrm>
+            <a:prstGeom prst="triangle">
+              <a:avLst/>
+            </a:prstGeom>
+            <a:solidFill>
+              <a:schemeClr val="tx1">
+                <a:lumMod val="75000"/>
+                <a:lumOff val="25000"/>
+              </a:schemeClr>
+            </a:solidFill>
+            <a:ln>
+              <a:solidFill>
+                <a:schemeClr val="tx1">
+                  <a:lumMod val="75000"/>
+                  <a:lumOff val="25000"/>
+                </a:schemeClr>
+              </a:solidFill>
+            </a:ln>
+          </p:spPr>
+          <p:style>
+            <a:lnRef idx="2">
+              <a:schemeClr val="accent1">
+                <a:shade val="50000"/>
+              </a:schemeClr>
+            </a:lnRef>
+            <a:fillRef idx="1">
+              <a:schemeClr val="accent1"/>
+            </a:fillRef>
+            <a:effectRef idx="0">
+              <a:schemeClr val="accent1"/>
+            </a:effectRef>
+            <a:fontRef idx="minor">
+              <a:schemeClr val="lt1"/>
+            </a:fontRef>
+          </p:style>
+          <p:txBody>
+            <a:bodyPr rtlCol="0" anchor="ctr"/>
+            <a:lstStyle/>
+            <a:p>
+              <a:pPr algn="ctr"/>
+              <a:endParaRPr lang="en-US"/>
+            </a:p>
+          </p:txBody>
+        </p:sp>
+      </p:grpSp>
+      <p:sp>
+        <p:nvSpPr>
+          <p:cNvPr id="46" name="文本框 45"/>
+          <p:cNvSpPr txBox="1"/>
+          <p:nvPr/>
+        </p:nvSpPr>
+        <p:spPr>
+          <a:xfrm>
+            <a:off x="6077473" y="1605793"/>
+            <a:ext cx="2681721" cy="307777"/>
+          </a:xfrm>
+          <a:prstGeom prst="rect">
+            <a:avLst/>
+          </a:prstGeom>
+          <a:noFill/>
+        </p:spPr>
+        <p:txBody>
+          <a:bodyPr wrap="square" rtlCol="0">
+            <a:spAutoFit/>
+          </a:bodyPr>
+          <a:lstStyle/>
+          <a:p>
+            <a:r>
+              <a:rPr lang="en-US" sz="1400" dirty="0" smtClean="0"/>
+              <a:t>Leave the space for </a:t>
+            </a:r>
+            <a:r>
+              <a:rPr lang="en-US" sz="1400" dirty="0" err="1" smtClean="0"/>
+              <a:t>SwordPlots</a:t>
+            </a:r>
+            <a:endParaRPr lang="en-US" sz="1400" dirty="0"/>
+          </a:p>
+        </p:txBody>
+      </p:sp>
+      <p:sp>
+        <p:nvSpPr>
+          <p:cNvPr id="44" name="椭圆 43"/>
+          <p:cNvSpPr/>
+          <p:nvPr/>
+        </p:nvSpPr>
+        <p:spPr>
+          <a:xfrm>
+            <a:off x="2453159" y="1927552"/>
+            <a:ext cx="145513" cy="136803"/>
+          </a:xfrm>
+          <a:prstGeom prst="ellipse">
+            <a:avLst/>
+          </a:prstGeom>
+          <a:solidFill>
+            <a:schemeClr val="tx1">
+              <a:lumMod val="65000"/>
+              <a:lumOff val="35000"/>
+            </a:schemeClr>
+          </a:solidFill>
+          <a:ln>
+            <a:solidFill>
+              <a:schemeClr val="tx1">
+                <a:lumMod val="85000"/>
+                <a:lumOff val="15000"/>
+              </a:schemeClr>
+            </a:solidFill>
+          </a:ln>
+        </p:spPr>
+        <p:style>
+          <a:lnRef idx="2">
+            <a:schemeClr val="accent1">
+              <a:shade val="50000"/>
+            </a:schemeClr>
+          </a:lnRef>
+          <a:fillRef idx="1">
+            <a:schemeClr val="accent1"/>
+          </a:fillRef>
+          <a:effectRef idx="0">
+            <a:schemeClr val="accent1"/>
+          </a:effectRef>
+          <a:fontRef idx="minor">
+            <a:schemeClr val="lt1"/>
+          </a:fontRef>
+        </p:style>
+        <p:txBody>
+          <a:bodyPr rtlCol="0" anchor="ctr"/>
+          <a:lstStyle/>
+          <a:p>
+            <a:pPr algn="ctr"/>
+            <a:endParaRPr lang="en-US"/>
+          </a:p>
+        </p:txBody>
+      </p:sp>
+      <p:sp>
+        <p:nvSpPr>
+          <p:cNvPr id="49" name="椭圆 48"/>
+          <p:cNvSpPr/>
+          <p:nvPr/>
+        </p:nvSpPr>
+        <p:spPr>
+          <a:xfrm>
+            <a:off x="5302809" y="1927576"/>
+            <a:ext cx="145513" cy="136803"/>
+          </a:xfrm>
+          <a:prstGeom prst="ellipse">
+            <a:avLst/>
+          </a:prstGeom>
+          <a:solidFill>
+            <a:schemeClr val="tx1">
+              <a:lumMod val="65000"/>
+              <a:lumOff val="35000"/>
+            </a:schemeClr>
+          </a:solidFill>
+          <a:ln>
+            <a:solidFill>
+              <a:schemeClr val="tx1">
+                <a:lumMod val="85000"/>
+                <a:lumOff val="15000"/>
+              </a:schemeClr>
+            </a:solidFill>
+          </a:ln>
+        </p:spPr>
+        <p:style>
+          <a:lnRef idx="2">
+            <a:schemeClr val="accent1">
+              <a:shade val="50000"/>
+            </a:schemeClr>
+          </a:lnRef>
+          <a:fillRef idx="1">
+            <a:schemeClr val="accent1"/>
+          </a:fillRef>
+          <a:effectRef idx="0">
+            <a:schemeClr val="accent1"/>
+          </a:effectRef>
+          <a:fontRef idx="minor">
+            <a:schemeClr val="lt1"/>
+          </a:fontRef>
+        </p:style>
+        <p:txBody>
+          <a:bodyPr rtlCol="0" anchor="ctr"/>
+          <a:lstStyle/>
+          <a:p>
+            <a:pPr algn="ctr"/>
+            <a:endParaRPr lang="en-US"/>
+          </a:p>
+        </p:txBody>
+      </p:sp>
+      <p:grpSp>
+        <p:nvGrpSpPr>
+          <p:cNvPr id="48" name="组合 47"/>
+          <p:cNvGrpSpPr/>
+          <p:nvPr/>
+        </p:nvGrpSpPr>
+        <p:grpSpPr>
+          <a:xfrm>
+            <a:off x="287675" y="2295939"/>
+            <a:ext cx="5518141" cy="4160813"/>
+            <a:chOff x="120562" y="1623733"/>
+            <a:chExt cx="4553102" cy="3441102"/>
+          </a:xfrm>
+        </p:grpSpPr>
+        <p:pic>
+          <p:nvPicPr>
+            <p:cNvPr id="50" name="图片 49"/>
+            <p:cNvPicPr>
+              <a:picLocks noChangeAspect="1"/>
+            </p:cNvPicPr>
+            <p:nvPr/>
+          </p:nvPicPr>
+          <p:blipFill>
+            <a:blip r:embed="rId3" cstate="print">
+              <a:extLst>
+                <a:ext uri="{28A0092B-C50C-407E-A947-70E740481C1C}">
+                  <a14:useLocalDpi xmlns:a14="http://schemas.microsoft.com/office/drawing/2010/main" val="0"/>
+                </a:ext>
+              </a:extLst>
+            </a:blip>
+            <a:stretch>
+              <a:fillRect/>
+            </a:stretch>
+          </p:blipFill>
+          <p:spPr>
+            <a:xfrm>
+              <a:off x="120562" y="1623733"/>
+              <a:ext cx="4553102" cy="3441102"/>
+            </a:xfrm>
+            <a:prstGeom prst="rect">
+              <a:avLst/>
+            </a:prstGeom>
+          </p:spPr>
+        </p:pic>
+        <p:sp>
+          <p:nvSpPr>
+            <p:cNvPr id="51" name="椭圆 50"/>
+            <p:cNvSpPr/>
+            <p:nvPr/>
+          </p:nvSpPr>
+          <p:spPr>
+            <a:xfrm>
+              <a:off x="1598773" y="4318399"/>
+              <a:ext cx="34289" cy="34289"/>
+            </a:xfrm>
+            <a:prstGeom prst="ellipse">
+              <a:avLst/>
+            </a:prstGeom>
+            <a:solidFill>
+              <a:srgbClr val="C00000"/>
+            </a:solidFill>
+            <a:ln w="12700">
+              <a:solidFill>
+                <a:srgbClr val="0070C0"/>
+              </a:solidFill>
+            </a:ln>
+          </p:spPr>
+          <p:style>
+            <a:lnRef idx="2">
+              <a:schemeClr val="accent1">
+                <a:shade val="50000"/>
+              </a:schemeClr>
+            </a:lnRef>
+            <a:fillRef idx="1">
+              <a:schemeClr val="accent1"/>
+            </a:fillRef>
+            <a:effectRef idx="0">
+              <a:schemeClr val="accent1"/>
+            </a:effectRef>
+            <a:fontRef idx="minor">
+              <a:schemeClr val="lt1"/>
+            </a:fontRef>
+          </p:style>
+          <p:txBody>
+            <a:bodyPr rtlCol="0" anchor="ctr"/>
+            <a:lstStyle/>
+            <a:p>
+              <a:pPr algn="ctr"/>
+              <a:endParaRPr lang="en-US" sz="1350"/>
+            </a:p>
+          </p:txBody>
+        </p:sp>
+        <p:sp>
+          <p:nvSpPr>
+            <p:cNvPr id="52" name="椭圆 51"/>
+            <p:cNvSpPr/>
+            <p:nvPr/>
+          </p:nvSpPr>
+          <p:spPr>
+            <a:xfrm>
+              <a:off x="1809513" y="4318398"/>
+              <a:ext cx="34289" cy="34289"/>
+            </a:xfrm>
+            <a:prstGeom prst="ellipse">
+              <a:avLst/>
+            </a:prstGeom>
+            <a:solidFill>
+              <a:srgbClr val="C00000"/>
+            </a:solidFill>
+            <a:ln w="12700">
+              <a:solidFill>
+                <a:srgbClr val="0070C0"/>
+              </a:solidFill>
+            </a:ln>
+          </p:spPr>
+          <p:style>
+            <a:lnRef idx="2">
+              <a:schemeClr val="accent1">
+                <a:shade val="50000"/>
+              </a:schemeClr>
+            </a:lnRef>
+            <a:fillRef idx="1">
+              <a:schemeClr val="accent1"/>
+            </a:fillRef>
+            <a:effectRef idx="0">
+              <a:schemeClr val="accent1"/>
+            </a:effectRef>
+            <a:fontRef idx="minor">
+              <a:schemeClr val="lt1"/>
+            </a:fontRef>
+          </p:style>
+          <p:txBody>
+            <a:bodyPr rtlCol="0" anchor="ctr"/>
+            <a:lstStyle/>
+            <a:p>
+              <a:pPr algn="ctr"/>
+              <a:endParaRPr lang="en-US" sz="1350"/>
+            </a:p>
+          </p:txBody>
+        </p:sp>
+        <p:sp>
+          <p:nvSpPr>
+            <p:cNvPr id="53" name="椭圆 52"/>
+            <p:cNvSpPr/>
+            <p:nvPr/>
+          </p:nvSpPr>
+          <p:spPr>
+            <a:xfrm>
+              <a:off x="1869521" y="4261249"/>
+              <a:ext cx="34289" cy="34289"/>
+            </a:xfrm>
+            <a:prstGeom prst="ellipse">
+              <a:avLst/>
+            </a:prstGeom>
+            <a:solidFill>
+              <a:srgbClr val="C00000"/>
+            </a:solidFill>
+            <a:ln w="12700">
+              <a:solidFill>
+                <a:srgbClr val="0070C0"/>
+              </a:solidFill>
+            </a:ln>
+          </p:spPr>
+          <p:style>
+            <a:lnRef idx="2">
+              <a:schemeClr val="accent1">
+                <a:shade val="50000"/>
+              </a:schemeClr>
+            </a:lnRef>
+            <a:fillRef idx="1">
+              <a:schemeClr val="accent1"/>
+            </a:fillRef>
+            <a:effectRef idx="0">
+              <a:schemeClr val="accent1"/>
+            </a:effectRef>
+            <a:fontRef idx="minor">
+              <a:schemeClr val="lt1"/>
+            </a:fontRef>
+          </p:style>
+          <p:txBody>
+            <a:bodyPr rtlCol="0" anchor="ctr"/>
+            <a:lstStyle/>
+            <a:p>
+              <a:pPr algn="ctr"/>
+              <a:endParaRPr lang="en-US" sz="1350"/>
+            </a:p>
+          </p:txBody>
+        </p:sp>
+        <p:sp>
+          <p:nvSpPr>
+            <p:cNvPr id="54" name="椭圆 53"/>
+            <p:cNvSpPr/>
+            <p:nvPr/>
+          </p:nvSpPr>
+          <p:spPr>
+            <a:xfrm>
+              <a:off x="1869520" y="4226960"/>
+              <a:ext cx="34289" cy="34289"/>
+            </a:xfrm>
+            <a:prstGeom prst="ellipse">
+              <a:avLst/>
+            </a:prstGeom>
+            <a:solidFill>
+              <a:srgbClr val="C00000"/>
+            </a:solidFill>
+            <a:ln w="12700">
+              <a:solidFill>
+                <a:srgbClr val="0070C0"/>
+              </a:solidFill>
+            </a:ln>
+          </p:spPr>
+          <p:style>
+            <a:lnRef idx="2">
+              <a:schemeClr val="accent1">
+                <a:shade val="50000"/>
+              </a:schemeClr>
+            </a:lnRef>
+            <a:fillRef idx="1">
+              <a:schemeClr val="accent1"/>
+            </a:fillRef>
+            <a:effectRef idx="0">
+              <a:schemeClr val="accent1"/>
+            </a:effectRef>
+            <a:fontRef idx="minor">
+              <a:schemeClr val="lt1"/>
+            </a:fontRef>
+          </p:style>
+          <p:txBody>
+            <a:bodyPr rtlCol="0" anchor="ctr"/>
+            <a:lstStyle/>
+            <a:p>
+              <a:pPr algn="ctr"/>
+              <a:endParaRPr lang="en-US" sz="1350"/>
+            </a:p>
+          </p:txBody>
+        </p:sp>
+        <p:sp>
+          <p:nvSpPr>
+            <p:cNvPr id="55" name="椭圆 54"/>
+            <p:cNvSpPr/>
+            <p:nvPr/>
+          </p:nvSpPr>
+          <p:spPr>
+            <a:xfrm>
+              <a:off x="1708787" y="4226959"/>
+              <a:ext cx="34289" cy="34289"/>
+            </a:xfrm>
+            <a:prstGeom prst="ellipse">
+              <a:avLst/>
+            </a:prstGeom>
+            <a:solidFill>
+              <a:srgbClr val="C00000"/>
+            </a:solidFill>
+            <a:ln w="12700">
+              <a:solidFill>
+                <a:srgbClr val="0070C0"/>
+              </a:solidFill>
+            </a:ln>
+          </p:spPr>
+          <p:style>
+            <a:lnRef idx="2">
+              <a:schemeClr val="accent1">
+                <a:shade val="50000"/>
+              </a:schemeClr>
+            </a:lnRef>
+            <a:fillRef idx="1">
+              <a:schemeClr val="accent1"/>
+            </a:fillRef>
+            <a:effectRef idx="0">
+              <a:schemeClr val="accent1"/>
+            </a:effectRef>
+            <a:fontRef idx="minor">
+              <a:schemeClr val="lt1"/>
+            </a:fontRef>
+          </p:style>
+          <p:txBody>
+            <a:bodyPr rtlCol="0" anchor="ctr"/>
+            <a:lstStyle/>
+            <a:p>
+              <a:pPr algn="ctr"/>
+              <a:endParaRPr lang="en-US" sz="1350"/>
+            </a:p>
+          </p:txBody>
+        </p:sp>
+        <p:sp>
+          <p:nvSpPr>
+            <p:cNvPr id="56" name="椭圆 55"/>
+            <p:cNvSpPr/>
+            <p:nvPr/>
+          </p:nvSpPr>
+          <p:spPr>
+            <a:xfrm>
+              <a:off x="1326428" y="4192670"/>
+              <a:ext cx="34289" cy="34289"/>
+            </a:xfrm>
+            <a:prstGeom prst="ellipse">
+              <a:avLst/>
+            </a:prstGeom>
+            <a:solidFill>
+              <a:srgbClr val="C00000"/>
+            </a:solidFill>
+            <a:ln w="12700">
+              <a:solidFill>
+                <a:srgbClr val="0070C0"/>
+              </a:solidFill>
+            </a:ln>
+          </p:spPr>
+          <p:style>
+            <a:lnRef idx="2">
+              <a:schemeClr val="accent1">
+                <a:shade val="50000"/>
+              </a:schemeClr>
+            </a:lnRef>
+            <a:fillRef idx="1">
+              <a:schemeClr val="accent1"/>
+            </a:fillRef>
+            <a:effectRef idx="0">
+              <a:schemeClr val="accent1"/>
+            </a:effectRef>
+            <a:fontRef idx="minor">
+              <a:schemeClr val="lt1"/>
+            </a:fontRef>
+          </p:style>
+          <p:txBody>
+            <a:bodyPr rtlCol="0" anchor="ctr"/>
+            <a:lstStyle/>
+            <a:p>
+              <a:pPr algn="ctr"/>
+              <a:endParaRPr lang="en-US" sz="1350"/>
+            </a:p>
+          </p:txBody>
+        </p:sp>
+        <p:cxnSp>
+          <p:nvCxnSpPr>
+            <p:cNvPr id="57" name="直接连接符 56"/>
+            <p:cNvCxnSpPr>
+              <a:stCxn id="56" idx="6"/>
+              <a:endCxn id="51" idx="2"/>
+            </p:cNvCxnSpPr>
+            <p:nvPr/>
+          </p:nvCxnSpPr>
+          <p:spPr>
+            <a:xfrm>
+              <a:off x="1360718" y="4209815"/>
+              <a:ext cx="238055" cy="125729"/>
+            </a:xfrm>
+            <a:prstGeom prst="line">
+              <a:avLst/>
+            </a:prstGeom>
+            <a:ln w="12700">
+              <a:solidFill>
+                <a:srgbClr val="7030A0"/>
+              </a:solidFill>
+            </a:ln>
+          </p:spPr>
+          <p:style>
+            <a:lnRef idx="1">
+              <a:schemeClr val="accent1"/>
+            </a:lnRef>
+            <a:fillRef idx="0">
+              <a:schemeClr val="accent1"/>
+            </a:fillRef>
+            <a:effectRef idx="0">
+              <a:schemeClr val="accent1"/>
+            </a:effectRef>
+            <a:fontRef idx="minor">
+              <a:schemeClr val="tx1"/>
+            </a:fontRef>
+          </p:style>
+        </p:cxnSp>
+        <p:cxnSp>
+          <p:nvCxnSpPr>
+            <p:cNvPr id="58" name="直接连接符 57"/>
+            <p:cNvCxnSpPr>
+              <a:stCxn id="51" idx="6"/>
+            </p:cNvCxnSpPr>
+            <p:nvPr/>
+          </p:nvCxnSpPr>
+          <p:spPr>
+            <a:xfrm flipV="1">
+              <a:off x="1633062" y="4335541"/>
+              <a:ext cx="174250" cy="2"/>
+            </a:xfrm>
+            <a:prstGeom prst="line">
+              <a:avLst/>
+            </a:prstGeom>
+            <a:ln w="12700">
+              <a:solidFill>
+                <a:srgbClr val="7030A0"/>
+              </a:solidFill>
+            </a:ln>
+          </p:spPr>
+          <p:style>
+            <a:lnRef idx="1">
+              <a:schemeClr val="accent1"/>
+            </a:lnRef>
+            <a:fillRef idx="0">
+              <a:schemeClr val="accent1"/>
+            </a:fillRef>
+            <a:effectRef idx="0">
+              <a:schemeClr val="accent1"/>
+            </a:effectRef>
+            <a:fontRef idx="minor">
+              <a:schemeClr val="tx1"/>
+            </a:fontRef>
+          </p:style>
+        </p:cxnSp>
+        <p:cxnSp>
+          <p:nvCxnSpPr>
+            <p:cNvPr id="59" name="直接连接符 58"/>
+            <p:cNvCxnSpPr>
+              <a:endCxn id="53" idx="2"/>
+            </p:cNvCxnSpPr>
+            <p:nvPr/>
+          </p:nvCxnSpPr>
+          <p:spPr>
+            <a:xfrm flipV="1">
+              <a:off x="1636828" y="4278393"/>
+              <a:ext cx="232693" cy="51434"/>
+            </a:xfrm>
+            <a:prstGeom prst="line">
+              <a:avLst/>
+            </a:prstGeom>
+            <a:ln w="12700">
+              <a:solidFill>
+                <a:srgbClr val="7030A0"/>
+              </a:solidFill>
+            </a:ln>
+          </p:spPr>
+          <p:style>
+            <a:lnRef idx="1">
+              <a:schemeClr val="accent1"/>
+            </a:lnRef>
+            <a:fillRef idx="0">
+              <a:schemeClr val="accent1"/>
+            </a:fillRef>
+            <a:effectRef idx="0">
+              <a:schemeClr val="accent1"/>
+            </a:effectRef>
+            <a:fontRef idx="minor">
+              <a:schemeClr val="tx1"/>
+            </a:fontRef>
+          </p:style>
+        </p:cxnSp>
+        <p:cxnSp>
+          <p:nvCxnSpPr>
+            <p:cNvPr id="60" name="直接连接符 59"/>
+            <p:cNvCxnSpPr>
+              <a:endCxn id="54" idx="2"/>
+            </p:cNvCxnSpPr>
+            <p:nvPr/>
+          </p:nvCxnSpPr>
+          <p:spPr>
+            <a:xfrm flipV="1">
+              <a:off x="1636826" y="4244104"/>
+              <a:ext cx="232692" cy="85723"/>
+            </a:xfrm>
+            <a:prstGeom prst="line">
+              <a:avLst/>
+            </a:prstGeom>
+            <a:ln w="12700">
+              <a:solidFill>
+                <a:srgbClr val="7030A0"/>
+              </a:solidFill>
+            </a:ln>
+          </p:spPr>
+          <p:style>
+            <a:lnRef idx="1">
+              <a:schemeClr val="accent1"/>
+            </a:lnRef>
+            <a:fillRef idx="0">
+              <a:schemeClr val="accent1"/>
+            </a:fillRef>
+            <a:effectRef idx="0">
+              <a:schemeClr val="accent1"/>
+            </a:effectRef>
+            <a:fontRef idx="minor">
+              <a:schemeClr val="tx1"/>
+            </a:fontRef>
+          </p:style>
+        </p:cxnSp>
+        <p:cxnSp>
+          <p:nvCxnSpPr>
+            <p:cNvPr id="61" name="直接连接符 60"/>
+            <p:cNvCxnSpPr>
+              <a:stCxn id="51" idx="7"/>
+              <a:endCxn id="55" idx="2"/>
+            </p:cNvCxnSpPr>
+            <p:nvPr/>
+          </p:nvCxnSpPr>
+          <p:spPr>
+            <a:xfrm flipV="1">
+              <a:off x="1628040" y="4244104"/>
+              <a:ext cx="80746" cy="79316"/>
+            </a:xfrm>
+            <a:prstGeom prst="line">
+              <a:avLst/>
+            </a:prstGeom>
+            <a:ln w="12700">
+              <a:solidFill>
+                <a:srgbClr val="7030A0"/>
+              </a:solidFill>
+            </a:ln>
+          </p:spPr>
+          <p:style>
+            <a:lnRef idx="1">
+              <a:schemeClr val="accent1"/>
+            </a:lnRef>
+            <a:fillRef idx="0">
+              <a:schemeClr val="accent1"/>
+            </a:fillRef>
+            <a:effectRef idx="0">
+              <a:schemeClr val="accent1"/>
+            </a:effectRef>
+            <a:fontRef idx="minor">
+              <a:schemeClr val="tx1"/>
+            </a:fontRef>
+          </p:style>
+        </p:cxnSp>
+      </p:grpSp>
+      <p:sp>
+        <p:nvSpPr>
+          <p:cNvPr id="75" name="文本框 74"/>
+          <p:cNvSpPr txBox="1"/>
+          <p:nvPr/>
+        </p:nvSpPr>
+        <p:spPr>
+          <a:xfrm>
+            <a:off x="7944497" y="420204"/>
+            <a:ext cx="235428" cy="307777"/>
+          </a:xfrm>
+          <a:prstGeom prst="rect">
+            <a:avLst/>
+          </a:prstGeom>
+          <a:noFill/>
+        </p:spPr>
+        <p:txBody>
+          <a:bodyPr wrap="square" rtlCol="0">
+            <a:spAutoFit/>
+          </a:bodyPr>
+          <a:lstStyle/>
+          <a:p>
+            <a:r>
+              <a:rPr lang="en-US" sz="1400" dirty="0" smtClean="0"/>
+              <a:t>X</a:t>
+            </a:r>
+            <a:endParaRPr lang="en-US" sz="1400" dirty="0"/>
+          </a:p>
+        </p:txBody>
+      </p:sp>
+      <p:sp>
+        <p:nvSpPr>
+          <p:cNvPr id="76" name="文本框 75"/>
+          <p:cNvSpPr txBox="1"/>
+          <p:nvPr/>
+        </p:nvSpPr>
+        <p:spPr>
+          <a:xfrm>
+            <a:off x="7750371" y="1036059"/>
+            <a:ext cx="235428" cy="307777"/>
+          </a:xfrm>
+          <a:prstGeom prst="rect">
+            <a:avLst/>
+          </a:prstGeom>
+          <a:noFill/>
+        </p:spPr>
+        <p:txBody>
+          <a:bodyPr wrap="square" rtlCol="0">
+            <a:spAutoFit/>
+          </a:bodyPr>
+          <a:lstStyle/>
+          <a:p>
+            <a:r>
+              <a:rPr lang="en-US" sz="1400" dirty="0"/>
+              <a:t>5</a:t>
+            </a:r>
+          </a:p>
+        </p:txBody>
+      </p:sp>
+      <p:sp>
+        <p:nvSpPr>
+          <p:cNvPr id="77" name="矩形 76"/>
+          <p:cNvSpPr/>
+          <p:nvPr/>
+        </p:nvSpPr>
+        <p:spPr>
+          <a:xfrm>
+            <a:off x="8217637" y="1089311"/>
+            <a:ext cx="541557" cy="176705"/>
+          </a:xfrm>
+          <a:prstGeom prst="rect">
+            <a:avLst/>
+          </a:prstGeom>
+          <a:noFill/>
+          <a:ln>
+            <a:solidFill>
+              <a:schemeClr val="tx1">
+                <a:lumMod val="75000"/>
+                <a:lumOff val="25000"/>
+              </a:schemeClr>
+            </a:solidFill>
+          </a:ln>
+        </p:spPr>
+        <p:style>
+          <a:lnRef idx="2">
+            <a:schemeClr val="accent1">
+              <a:shade val="50000"/>
+            </a:schemeClr>
+          </a:lnRef>
+          <a:fillRef idx="1">
+            <a:schemeClr val="accent1"/>
+          </a:fillRef>
+          <a:effectRef idx="0">
+            <a:schemeClr val="accent1"/>
+          </a:effectRef>
+          <a:fontRef idx="minor">
+            <a:schemeClr val="lt1"/>
+          </a:fontRef>
+        </p:style>
+        <p:txBody>
+          <a:bodyPr rtlCol="0" anchor="ctr"/>
+          <a:lstStyle/>
+          <a:p>
+            <a:pPr algn="ctr"/>
+            <a:endParaRPr lang="en-US"/>
+          </a:p>
+        </p:txBody>
+      </p:sp>
+      <p:sp>
+        <p:nvSpPr>
+          <p:cNvPr id="78" name="文本框 77"/>
+          <p:cNvSpPr txBox="1"/>
+          <p:nvPr/>
+        </p:nvSpPr>
+        <p:spPr>
+          <a:xfrm>
+            <a:off x="8186370" y="1024263"/>
+            <a:ext cx="672820" cy="307777"/>
+          </a:xfrm>
+          <a:prstGeom prst="rect">
+            <a:avLst/>
+          </a:prstGeom>
+          <a:noFill/>
+        </p:spPr>
+        <p:txBody>
+          <a:bodyPr wrap="square" rtlCol="0">
+            <a:spAutoFit/>
+          </a:bodyPr>
+          <a:lstStyle/>
+          <a:p>
+            <a:r>
+              <a:rPr lang="en-US" sz="1400" dirty="0" smtClean="0"/>
+              <a:t>Apply</a:t>
+            </a:r>
+            <a:endParaRPr lang="en-US" sz="1400" dirty="0"/>
+          </a:p>
+        </p:txBody>
+      </p:sp>
+      <p:sp>
+        <p:nvSpPr>
+          <p:cNvPr id="5" name="圆角矩形 4"/>
+          <p:cNvSpPr/>
+          <p:nvPr/>
+        </p:nvSpPr>
+        <p:spPr>
+          <a:xfrm>
+            <a:off x="7046299" y="524430"/>
+            <a:ext cx="201427" cy="111718"/>
+          </a:xfrm>
+          <a:prstGeom prst="roundRect">
+            <a:avLst/>
+          </a:prstGeom>
+          <a:solidFill>
+            <a:schemeClr val="tx1">
+              <a:lumMod val="65000"/>
+              <a:lumOff val="35000"/>
+            </a:schemeClr>
+          </a:solidFill>
+          <a:ln>
+            <a:solidFill>
+              <a:schemeClr val="tx1">
+                <a:lumMod val="75000"/>
+                <a:lumOff val="25000"/>
+              </a:schemeClr>
+            </a:solidFill>
+          </a:ln>
+        </p:spPr>
+        <p:style>
+          <a:lnRef idx="2">
+            <a:schemeClr val="accent1">
+              <a:shade val="50000"/>
+            </a:schemeClr>
+          </a:lnRef>
+          <a:fillRef idx="1">
+            <a:schemeClr val="accent1"/>
+          </a:fillRef>
+          <a:effectRef idx="0">
+            <a:schemeClr val="accent1"/>
+          </a:effectRef>
+          <a:fontRef idx="minor">
+            <a:schemeClr val="lt1"/>
+          </a:fontRef>
+        </p:style>
+        <p:txBody>
+          <a:bodyPr rtlCol="0" anchor="ctr"/>
+          <a:lstStyle/>
+          <a:p>
+            <a:pPr algn="ctr"/>
+            <a:endParaRPr lang="en-US"/>
+          </a:p>
+        </p:txBody>
+      </p:sp>
+      <p:sp>
+        <p:nvSpPr>
+          <p:cNvPr id="79" name="圆角矩形 78"/>
+          <p:cNvSpPr/>
+          <p:nvPr/>
+        </p:nvSpPr>
+        <p:spPr>
+          <a:xfrm>
+            <a:off x="7681625" y="804249"/>
+            <a:ext cx="201427" cy="111718"/>
+          </a:xfrm>
+          <a:prstGeom prst="roundRect">
+            <a:avLst/>
+          </a:prstGeom>
+          <a:solidFill>
+            <a:schemeClr val="tx1">
+              <a:lumMod val="65000"/>
+              <a:lumOff val="35000"/>
+            </a:schemeClr>
+          </a:solidFill>
+          <a:ln>
+            <a:solidFill>
+              <a:schemeClr val="tx1">
+                <a:lumMod val="75000"/>
+                <a:lumOff val="25000"/>
+              </a:schemeClr>
+            </a:solidFill>
+          </a:ln>
+        </p:spPr>
+        <p:style>
+          <a:lnRef idx="2">
+            <a:schemeClr val="accent1">
+              <a:shade val="50000"/>
+            </a:schemeClr>
+          </a:lnRef>
+          <a:fillRef idx="1">
+            <a:schemeClr val="accent1"/>
+          </a:fillRef>
+          <a:effectRef idx="0">
+            <a:schemeClr val="accent1"/>
+          </a:effectRef>
+          <a:fontRef idx="minor">
+            <a:schemeClr val="lt1"/>
+          </a:fontRef>
+        </p:style>
+        <p:txBody>
+          <a:bodyPr rtlCol="0" anchor="ctr"/>
+          <a:lstStyle/>
+          <a:p>
+            <a:pPr algn="ctr"/>
+            <a:endParaRPr lang="en-US"/>
+          </a:p>
+        </p:txBody>
+      </p:sp>
+      <p:sp>
+        <p:nvSpPr>
+          <p:cNvPr id="80" name="文本框 79"/>
+          <p:cNvSpPr txBox="1"/>
+          <p:nvPr/>
+        </p:nvSpPr>
+        <p:spPr>
+          <a:xfrm>
+            <a:off x="6838085" y="881870"/>
+            <a:ext cx="235428" cy="246221"/>
+          </a:xfrm>
+          <a:prstGeom prst="rect">
+            <a:avLst/>
+          </a:prstGeom>
+          <a:noFill/>
+        </p:spPr>
+        <p:txBody>
+          <a:bodyPr wrap="square" rtlCol="0">
+            <a:spAutoFit/>
+          </a:bodyPr>
+          <a:lstStyle/>
+          <a:p>
+            <a:r>
+              <a:rPr lang="en-US" sz="1000" dirty="0" smtClean="0"/>
+              <a:t>0</a:t>
+            </a:r>
+            <a:endParaRPr lang="en-US" sz="1000" dirty="0"/>
+          </a:p>
+        </p:txBody>
+      </p:sp>
+      <p:sp>
+        <p:nvSpPr>
+          <p:cNvPr id="81" name="文本框 80"/>
+          <p:cNvSpPr txBox="1"/>
+          <p:nvPr/>
+        </p:nvSpPr>
+        <p:spPr>
+          <a:xfrm>
+            <a:off x="7757687" y="882332"/>
+            <a:ext cx="235428" cy="246221"/>
+          </a:xfrm>
+          <a:prstGeom prst="rect">
+            <a:avLst/>
+          </a:prstGeom>
+          <a:noFill/>
+        </p:spPr>
+        <p:txBody>
+          <a:bodyPr wrap="square" rtlCol="0">
+            <a:spAutoFit/>
+          </a:bodyPr>
+          <a:lstStyle/>
+          <a:p>
+            <a:r>
+              <a:rPr lang="en-US" sz="1000" dirty="0"/>
+              <a:t>1</a:t>
+            </a:r>
+          </a:p>
+        </p:txBody>
+      </p:sp>
+      <p:sp>
+        <p:nvSpPr>
+          <p:cNvPr id="82" name="文本框 81"/>
+          <p:cNvSpPr txBox="1"/>
+          <p:nvPr/>
+        </p:nvSpPr>
+        <p:spPr>
+          <a:xfrm>
+            <a:off x="6826966" y="578814"/>
+            <a:ext cx="235428" cy="246221"/>
+          </a:xfrm>
+          <a:prstGeom prst="rect">
+            <a:avLst/>
+          </a:prstGeom>
+          <a:noFill/>
+        </p:spPr>
+        <p:txBody>
+          <a:bodyPr wrap="square" rtlCol="0">
+            <a:spAutoFit/>
+          </a:bodyPr>
+          <a:lstStyle/>
+          <a:p>
+            <a:r>
+              <a:rPr lang="en-US" sz="1000" dirty="0"/>
+              <a:t>1</a:t>
+            </a:r>
+          </a:p>
+        </p:txBody>
+      </p:sp>
+      <p:sp>
+        <p:nvSpPr>
+          <p:cNvPr id="83" name="文本框 82"/>
+          <p:cNvSpPr txBox="1"/>
+          <p:nvPr/>
+        </p:nvSpPr>
+        <p:spPr>
+          <a:xfrm>
+            <a:off x="7634485" y="583167"/>
+            <a:ext cx="427741" cy="246221"/>
+          </a:xfrm>
+          <a:prstGeom prst="rect">
+            <a:avLst/>
+          </a:prstGeom>
+          <a:noFill/>
+        </p:spPr>
+        <p:txBody>
+          <a:bodyPr wrap="square" rtlCol="0">
+            <a:spAutoFit/>
+          </a:bodyPr>
+          <a:lstStyle/>
+          <a:p>
+            <a:r>
+              <a:rPr lang="en-US" sz="1000" dirty="0" smtClean="0"/>
+              <a:t>Max</a:t>
+            </a:r>
+            <a:endParaRPr lang="en-US" sz="1000" dirty="0"/>
+          </a:p>
+        </p:txBody>
+      </p:sp>
+      <p:sp>
+        <p:nvSpPr>
+          <p:cNvPr id="266" name="文本框 265"/>
+          <p:cNvSpPr txBox="1"/>
+          <p:nvPr/>
+        </p:nvSpPr>
+        <p:spPr>
+          <a:xfrm>
+            <a:off x="6079676" y="4329530"/>
+            <a:ext cx="2462736" cy="307777"/>
+          </a:xfrm>
+          <a:prstGeom prst="rect">
+            <a:avLst/>
+          </a:prstGeom>
+          <a:noFill/>
+        </p:spPr>
+        <p:txBody>
+          <a:bodyPr wrap="square" rtlCol="0">
+            <a:spAutoFit/>
+          </a:bodyPr>
+          <a:lstStyle/>
+          <a:p>
+            <a:r>
+              <a:rPr lang="en-US" sz="1400" dirty="0"/>
+              <a:t>PAS Node-Link </a:t>
+            </a:r>
+            <a:r>
+              <a:rPr lang="en-US" sz="1400" dirty="0" smtClean="0"/>
+              <a:t>Diagram</a:t>
+            </a:r>
+            <a:endParaRPr lang="en-US" sz="1400" dirty="0"/>
+          </a:p>
+        </p:txBody>
+      </p:sp>
+      <p:pic>
+        <p:nvPicPr>
+          <p:cNvPr id="105" name="图片 104"/>
+          <p:cNvPicPr>
+            <a:picLocks noChangeAspect="1"/>
+          </p:cNvPicPr>
+          <p:nvPr/>
+        </p:nvPicPr>
+        <p:blipFill>
+          <a:blip r:embed="rId4" cstate="print">
+            <a:extLst>
+              <a:ext uri="{28A0092B-C50C-407E-A947-70E740481C1C}">
+                <a14:useLocalDpi xmlns:a14="http://schemas.microsoft.com/office/drawing/2010/main" val="0"/>
+              </a:ext>
+            </a:extLst>
+          </a:blip>
+          <a:stretch>
+            <a:fillRect/>
+          </a:stretch>
+        </p:blipFill>
+        <p:spPr>
+          <a:xfrm>
+            <a:off x="2422350" y="2432531"/>
+            <a:ext cx="2006830" cy="2003821"/>
+          </a:xfrm>
+          <a:prstGeom prst="rect">
+            <a:avLst/>
+          </a:prstGeom>
+        </p:spPr>
+      </p:pic>
+      <p:cxnSp>
+        <p:nvCxnSpPr>
+          <p:cNvPr id="106" name="直接连接符 105"/>
+          <p:cNvCxnSpPr>
+            <a:stCxn id="105" idx="1"/>
+          </p:cNvCxnSpPr>
+          <p:nvPr/>
+        </p:nvCxnSpPr>
+        <p:spPr>
+          <a:xfrm flipH="1">
+            <a:off x="2020532" y="3434442"/>
+            <a:ext cx="401818" cy="2158887"/>
+          </a:xfrm>
+          <a:prstGeom prst="line">
+            <a:avLst/>
+          </a:prstGeom>
+          <a:ln>
+            <a:solidFill>
+              <a:schemeClr val="tx1">
+                <a:lumMod val="85000"/>
+                <a:lumOff val="15000"/>
+              </a:schemeClr>
+            </a:solidFill>
+          </a:ln>
+        </p:spPr>
+        <p:style>
+          <a:lnRef idx="1">
+            <a:schemeClr val="accent1"/>
+          </a:lnRef>
+          <a:fillRef idx="0">
+            <a:schemeClr val="accent1"/>
+          </a:fillRef>
+          <a:effectRef idx="0">
+            <a:schemeClr val="accent1"/>
+          </a:effectRef>
+          <a:fontRef idx="minor">
+            <a:schemeClr val="tx1"/>
+          </a:fontRef>
+        </p:style>
+      </p:cxnSp>
+      <p:cxnSp>
+        <p:nvCxnSpPr>
+          <p:cNvPr id="107" name="直接连接符 106"/>
+          <p:cNvCxnSpPr/>
+          <p:nvPr/>
+        </p:nvCxnSpPr>
+        <p:spPr>
+          <a:xfrm flipH="1">
+            <a:off x="2136063" y="4436352"/>
+            <a:ext cx="2300095" cy="1156977"/>
+          </a:xfrm>
+          <a:prstGeom prst="line">
+            <a:avLst/>
+          </a:prstGeom>
+          <a:ln>
+            <a:solidFill>
+              <a:schemeClr val="tx1">
+                <a:lumMod val="85000"/>
+                <a:lumOff val="15000"/>
+              </a:schemeClr>
+            </a:solidFill>
+          </a:ln>
+        </p:spPr>
+        <p:style>
+          <a:lnRef idx="1">
+            <a:schemeClr val="accent1"/>
+          </a:lnRef>
+          <a:fillRef idx="0">
+            <a:schemeClr val="accent1"/>
+          </a:fillRef>
+          <a:effectRef idx="0">
+            <a:schemeClr val="accent1"/>
+          </a:effectRef>
+          <a:fontRef idx="minor">
+            <a:schemeClr val="tx1"/>
+          </a:fontRef>
+        </p:style>
+      </p:cxnSp>
+      <p:pic>
+        <p:nvPicPr>
+          <p:cNvPr id="108" name="Picture 4" descr="https://cdn0.iconfinder.com/data/icons/rcons-basic/16/cursor-512.png"/>
+          <p:cNvPicPr>
+            <a:picLocks noChangeAspect="1" noChangeArrowheads="1"/>
+          </p:cNvPicPr>
+          <p:nvPr/>
+        </p:nvPicPr>
+        <p:blipFill>
+          <a:blip r:embed="rId5" cstate="print">
+            <a:extLst>
+              <a:ext uri="{28A0092B-C50C-407E-A947-70E740481C1C}">
+                <a14:useLocalDpi xmlns:a14="http://schemas.microsoft.com/office/drawing/2010/main" val="0"/>
+              </a:ext>
+            </a:extLst>
+          </a:blip>
+          <a:srcRect/>
+          <a:stretch>
+            <a:fillRect/>
+          </a:stretch>
+        </p:blipFill>
+        <p:spPr bwMode="auto">
+          <a:xfrm>
+            <a:off x="4054426" y="2773959"/>
+            <a:ext cx="285349" cy="285349"/>
+          </a:xfrm>
+          <a:prstGeom prst="rect">
+            <a:avLst/>
+          </a:prstGeom>
+          <a:noFill/>
+          <a:extLst>
+            <a:ext uri="{909E8E84-426E-40DD-AFC4-6F175D3DCCD1}">
+              <a14:hiddenFill xmlns:a14="http://schemas.microsoft.com/office/drawing/2010/main">
+                <a:solidFill>
+                  <a:srgbClr val="FFFFFF"/>
+                </a:solidFill>
+              </a14:hiddenFill>
+            </a:ext>
+          </a:extLst>
+        </p:spPr>
+      </p:pic>
+      <p:sp>
+        <p:nvSpPr>
+          <p:cNvPr id="109" name="矩形 108"/>
+          <p:cNvSpPr/>
+          <p:nvPr/>
+        </p:nvSpPr>
+        <p:spPr>
+          <a:xfrm>
+            <a:off x="3753293" y="2410286"/>
+            <a:ext cx="682865" cy="704074"/>
+          </a:xfrm>
+          <a:prstGeom prst="rect">
+            <a:avLst/>
+          </a:prstGeom>
+          <a:noFill/>
+          <a:ln w="28575">
+            <a:solidFill>
+              <a:schemeClr val="tx1">
+                <a:lumMod val="85000"/>
+                <a:lumOff val="15000"/>
+              </a:schemeClr>
+            </a:solidFill>
+          </a:ln>
+        </p:spPr>
+        <p:style>
+          <a:lnRef idx="2">
+            <a:schemeClr val="accent1">
+              <a:shade val="50000"/>
+            </a:schemeClr>
+          </a:lnRef>
+          <a:fillRef idx="1">
+            <a:schemeClr val="accent1"/>
+          </a:fillRef>
+          <a:effectRef idx="0">
+            <a:schemeClr val="accent1"/>
+          </a:effectRef>
+          <a:fontRef idx="minor">
+            <a:schemeClr val="lt1"/>
+          </a:fontRef>
+        </p:style>
+        <p:txBody>
+          <a:bodyPr rtlCol="0" anchor="ctr"/>
+          <a:lstStyle/>
+          <a:p>
+            <a:pPr algn="ctr"/>
+            <a:endParaRPr lang="en-US"/>
+          </a:p>
+        </p:txBody>
+      </p:sp>
+      <p:pic>
+        <p:nvPicPr>
+          <p:cNvPr id="110" name="内容占位符 4"/>
+          <p:cNvPicPr>
+            <a:picLocks noChangeAspect="1"/>
+          </p:cNvPicPr>
+          <p:nvPr/>
+        </p:nvPicPr>
+        <p:blipFill>
+          <a:blip r:embed="rId6" cstate="print">
+            <a:extLst>
+              <a:ext uri="{28A0092B-C50C-407E-A947-70E740481C1C}">
+                <a14:useLocalDpi xmlns:a14="http://schemas.microsoft.com/office/drawing/2010/main" val="0"/>
+              </a:ext>
+            </a:extLst>
+          </a:blip>
+          <a:stretch>
+            <a:fillRect/>
+          </a:stretch>
+        </p:blipFill>
+        <p:spPr>
+          <a:xfrm>
+            <a:off x="6075004" y="2054552"/>
+            <a:ext cx="2721651" cy="942286"/>
+          </a:xfrm>
+          <a:prstGeom prst="rect">
+            <a:avLst/>
+          </a:prstGeom>
+        </p:spPr>
+      </p:pic>
+      <p:pic>
+        <p:nvPicPr>
+          <p:cNvPr id="111" name="内容占位符 4"/>
+          <p:cNvPicPr>
+            <a:picLocks noChangeAspect="1"/>
+          </p:cNvPicPr>
+          <p:nvPr/>
+        </p:nvPicPr>
+        <p:blipFill>
+          <a:blip r:embed="rId6" cstate="print">
+            <a:extLst>
+              <a:ext uri="{28A0092B-C50C-407E-A947-70E740481C1C}">
+                <a14:useLocalDpi xmlns:a14="http://schemas.microsoft.com/office/drawing/2010/main" val="0"/>
+              </a:ext>
+            </a:extLst>
+          </a:blip>
+          <a:stretch>
+            <a:fillRect/>
+          </a:stretch>
+        </p:blipFill>
+        <p:spPr>
+          <a:xfrm>
+            <a:off x="6075004" y="3087911"/>
+            <a:ext cx="2721651" cy="942286"/>
+          </a:xfrm>
+          <a:prstGeom prst="rect">
+            <a:avLst/>
+          </a:prstGeom>
+        </p:spPr>
+      </p:pic>
+      <p:grpSp>
+        <p:nvGrpSpPr>
+          <p:cNvPr id="112" name="组合 111"/>
+          <p:cNvGrpSpPr/>
+          <p:nvPr/>
+        </p:nvGrpSpPr>
+        <p:grpSpPr>
+          <a:xfrm>
+            <a:off x="6094080" y="4618907"/>
+            <a:ext cx="2648505" cy="1815297"/>
+            <a:chOff x="6120840" y="1980528"/>
+            <a:chExt cx="2648505" cy="1815297"/>
+          </a:xfrm>
+        </p:grpSpPr>
+        <p:pic>
+          <p:nvPicPr>
+            <p:cNvPr id="113" name="图片 112"/>
+            <p:cNvPicPr>
+              <a:picLocks noChangeAspect="1"/>
+            </p:cNvPicPr>
+            <p:nvPr/>
+          </p:nvPicPr>
+          <p:blipFill>
+            <a:blip r:embed="rId7" cstate="print">
+              <a:extLst>
+                <a:ext uri="{28A0092B-C50C-407E-A947-70E740481C1C}">
+                  <a14:useLocalDpi xmlns:a14="http://schemas.microsoft.com/office/drawing/2010/main" val="0"/>
+                </a:ext>
+              </a:extLst>
+            </a:blip>
+            <a:stretch>
+              <a:fillRect/>
+            </a:stretch>
+          </p:blipFill>
+          <p:spPr>
+            <a:xfrm>
+              <a:off x="7030134" y="3170804"/>
+              <a:ext cx="381797" cy="382442"/>
+            </a:xfrm>
+            <a:prstGeom prst="rect">
+              <a:avLst/>
+            </a:prstGeom>
+          </p:spPr>
+        </p:pic>
+        <p:pic>
+          <p:nvPicPr>
+            <p:cNvPr id="114" name="图片 113"/>
+            <p:cNvPicPr>
+              <a:picLocks noChangeAspect="1"/>
+            </p:cNvPicPr>
+            <p:nvPr/>
+          </p:nvPicPr>
+          <p:blipFill>
+            <a:blip r:embed="rId8" cstate="print">
+              <a:extLst>
+                <a:ext uri="{28A0092B-C50C-407E-A947-70E740481C1C}">
+                  <a14:useLocalDpi xmlns:a14="http://schemas.microsoft.com/office/drawing/2010/main" val="0"/>
+                </a:ext>
+              </a:extLst>
+            </a:blip>
+            <a:stretch>
+              <a:fillRect/>
+            </a:stretch>
+          </p:blipFill>
+          <p:spPr>
+            <a:xfrm>
+              <a:off x="7652002" y="2275461"/>
+              <a:ext cx="383329" cy="382442"/>
+            </a:xfrm>
+            <a:prstGeom prst="rect">
+              <a:avLst/>
+            </a:prstGeom>
+          </p:spPr>
+        </p:pic>
+        <p:pic>
+          <p:nvPicPr>
+            <p:cNvPr id="115" name="图片 114"/>
+            <p:cNvPicPr>
+              <a:picLocks noChangeAspect="1"/>
+            </p:cNvPicPr>
+            <p:nvPr/>
+          </p:nvPicPr>
+          <p:blipFill>
+            <a:blip r:embed="rId9" cstate="print">
+              <a:extLst>
+                <a:ext uri="{28A0092B-C50C-407E-A947-70E740481C1C}">
+                  <a14:useLocalDpi xmlns:a14="http://schemas.microsoft.com/office/drawing/2010/main" val="0"/>
+                </a:ext>
+              </a:extLst>
+            </a:blip>
+            <a:stretch>
+              <a:fillRect/>
+            </a:stretch>
+          </p:blipFill>
+          <p:spPr>
+            <a:xfrm>
+              <a:off x="8373553" y="2306191"/>
+              <a:ext cx="382489" cy="382442"/>
+            </a:xfrm>
+            <a:prstGeom prst="rect">
+              <a:avLst/>
+            </a:prstGeom>
+          </p:spPr>
+        </p:pic>
+        <p:pic>
+          <p:nvPicPr>
+            <p:cNvPr id="116" name="图片 115"/>
+            <p:cNvPicPr>
+              <a:picLocks noChangeAspect="1"/>
+            </p:cNvPicPr>
+            <p:nvPr/>
+          </p:nvPicPr>
+          <p:blipFill>
+            <a:blip r:embed="rId10" cstate="print">
+              <a:extLst>
+                <a:ext uri="{28A0092B-C50C-407E-A947-70E740481C1C}">
+                  <a14:useLocalDpi xmlns:a14="http://schemas.microsoft.com/office/drawing/2010/main" val="0"/>
+                </a:ext>
+              </a:extLst>
+            </a:blip>
+            <a:stretch>
+              <a:fillRect/>
+            </a:stretch>
+          </p:blipFill>
+          <p:spPr>
+            <a:xfrm>
+              <a:off x="8386161" y="2753513"/>
+              <a:ext cx="383184" cy="382442"/>
+            </a:xfrm>
+            <a:prstGeom prst="rect">
+              <a:avLst/>
+            </a:prstGeom>
+          </p:spPr>
+        </p:pic>
+        <p:pic>
+          <p:nvPicPr>
+            <p:cNvPr id="117" name="图片 116"/>
+            <p:cNvPicPr>
+              <a:picLocks noChangeAspect="1"/>
+            </p:cNvPicPr>
+            <p:nvPr/>
+          </p:nvPicPr>
+          <p:blipFill>
+            <a:blip r:embed="rId11" cstate="print">
+              <a:extLst>
+                <a:ext uri="{28A0092B-C50C-407E-A947-70E740481C1C}">
+                  <a14:useLocalDpi xmlns:a14="http://schemas.microsoft.com/office/drawing/2010/main" val="0"/>
+                </a:ext>
+              </a:extLst>
+            </a:blip>
+            <a:stretch>
+              <a:fillRect/>
+            </a:stretch>
+          </p:blipFill>
+          <p:spPr>
+            <a:xfrm>
+              <a:off x="8220604" y="3413383"/>
+              <a:ext cx="383319" cy="382442"/>
+            </a:xfrm>
+            <a:prstGeom prst="rect">
+              <a:avLst/>
+            </a:prstGeom>
+          </p:spPr>
+        </p:pic>
+        <p:pic>
+          <p:nvPicPr>
+            <p:cNvPr id="118" name="图片 117"/>
+            <p:cNvPicPr>
+              <a:picLocks noChangeAspect="1"/>
+            </p:cNvPicPr>
+            <p:nvPr/>
+          </p:nvPicPr>
+          <p:blipFill>
+            <a:blip r:embed="rId12" cstate="print">
+              <a:extLst>
+                <a:ext uri="{28A0092B-C50C-407E-A947-70E740481C1C}">
+                  <a14:useLocalDpi xmlns:a14="http://schemas.microsoft.com/office/drawing/2010/main" val="0"/>
+                </a:ext>
+              </a:extLst>
+            </a:blip>
+            <a:stretch>
+              <a:fillRect/>
+            </a:stretch>
+          </p:blipFill>
+          <p:spPr>
+            <a:xfrm>
+              <a:off x="6120840" y="1980528"/>
+              <a:ext cx="381110" cy="382442"/>
+            </a:xfrm>
+            <a:prstGeom prst="rect">
+              <a:avLst/>
+            </a:prstGeom>
+          </p:spPr>
+        </p:pic>
+        <p:sp>
+          <p:nvSpPr>
+            <p:cNvPr id="119" name="椭圆 118"/>
+            <p:cNvSpPr/>
+            <p:nvPr/>
+          </p:nvSpPr>
+          <p:spPr>
+            <a:xfrm>
+              <a:off x="6982441" y="3135955"/>
+              <a:ext cx="477182" cy="471648"/>
+            </a:xfrm>
+            <a:prstGeom prst="ellipse">
+              <a:avLst/>
+            </a:prstGeom>
+            <a:noFill/>
+            <a:ln w="19050">
+              <a:solidFill>
+                <a:srgbClr val="C00000"/>
+              </a:solidFill>
+            </a:ln>
+          </p:spPr>
+          <p:style>
+            <a:lnRef idx="2">
+              <a:schemeClr val="accent1">
+                <a:shade val="50000"/>
+              </a:schemeClr>
+            </a:lnRef>
+            <a:fillRef idx="1">
+              <a:schemeClr val="accent1"/>
+            </a:fillRef>
+            <a:effectRef idx="0">
+              <a:schemeClr val="accent1"/>
+            </a:effectRef>
+            <a:fontRef idx="minor">
+              <a:schemeClr val="lt1"/>
+            </a:fontRef>
+          </p:style>
+          <p:txBody>
+            <a:bodyPr rtlCol="0" anchor="ctr"/>
+            <a:lstStyle/>
+            <a:p>
+              <a:pPr algn="ctr"/>
+              <a:endParaRPr lang="en-US" sz="1350"/>
+            </a:p>
+          </p:txBody>
+        </p:sp>
+        <p:cxnSp>
+          <p:nvCxnSpPr>
+            <p:cNvPr id="120" name="直接连接符 119"/>
+            <p:cNvCxnSpPr>
+              <a:stCxn id="119" idx="6"/>
+              <a:endCxn id="117" idx="1"/>
+            </p:cNvCxnSpPr>
+            <p:nvPr/>
+          </p:nvCxnSpPr>
+          <p:spPr>
+            <a:xfrm>
+              <a:off x="7459623" y="3371779"/>
+              <a:ext cx="760981" cy="232825"/>
+            </a:xfrm>
+            <a:prstGeom prst="line">
+              <a:avLst/>
+            </a:prstGeom>
+            <a:ln w="6350">
+              <a:solidFill>
+                <a:srgbClr val="C00000"/>
+              </a:solidFill>
+            </a:ln>
+          </p:spPr>
+          <p:style>
+            <a:lnRef idx="1">
+              <a:schemeClr val="accent1"/>
+            </a:lnRef>
+            <a:fillRef idx="0">
+              <a:schemeClr val="accent1"/>
+            </a:fillRef>
+            <a:effectRef idx="0">
+              <a:schemeClr val="accent1"/>
+            </a:effectRef>
+            <a:fontRef idx="minor">
+              <a:schemeClr val="tx1"/>
+            </a:fontRef>
+          </p:style>
+        </p:cxnSp>
+        <p:cxnSp>
+          <p:nvCxnSpPr>
+            <p:cNvPr id="121" name="直接连接符 120"/>
+            <p:cNvCxnSpPr>
+              <a:stCxn id="119" idx="1"/>
+              <a:endCxn id="118" idx="2"/>
+            </p:cNvCxnSpPr>
+            <p:nvPr/>
+          </p:nvCxnSpPr>
+          <p:spPr>
+            <a:xfrm flipH="1" flipV="1">
+              <a:off x="6311395" y="2362970"/>
+              <a:ext cx="740928" cy="842056"/>
+            </a:xfrm>
+            <a:prstGeom prst="line">
+              <a:avLst/>
+            </a:prstGeom>
+            <a:ln w="12700">
+              <a:solidFill>
+                <a:srgbClr val="C00000"/>
+              </a:solidFill>
+            </a:ln>
+          </p:spPr>
+          <p:style>
+            <a:lnRef idx="1">
+              <a:schemeClr val="accent1"/>
+            </a:lnRef>
+            <a:fillRef idx="0">
+              <a:schemeClr val="accent1"/>
+            </a:fillRef>
+            <a:effectRef idx="0">
+              <a:schemeClr val="accent1"/>
+            </a:effectRef>
+            <a:fontRef idx="minor">
+              <a:schemeClr val="tx1"/>
+            </a:fontRef>
+          </p:style>
+        </p:cxnSp>
+        <p:cxnSp>
+          <p:nvCxnSpPr>
+            <p:cNvPr id="122" name="直接连接符 121"/>
+            <p:cNvCxnSpPr>
+              <a:stCxn id="119" idx="7"/>
+              <a:endCxn id="114" idx="2"/>
+            </p:cNvCxnSpPr>
+            <p:nvPr/>
+          </p:nvCxnSpPr>
+          <p:spPr>
+            <a:xfrm flipV="1">
+              <a:off x="7389741" y="2657903"/>
+              <a:ext cx="453926" cy="547123"/>
+            </a:xfrm>
+            <a:prstGeom prst="line">
+              <a:avLst/>
+            </a:prstGeom>
+            <a:ln w="19050">
+              <a:solidFill>
+                <a:srgbClr val="C00000"/>
+              </a:solidFill>
+            </a:ln>
+          </p:spPr>
+          <p:style>
+            <a:lnRef idx="1">
+              <a:schemeClr val="accent1"/>
+            </a:lnRef>
+            <a:fillRef idx="0">
+              <a:schemeClr val="accent1"/>
+            </a:fillRef>
+            <a:effectRef idx="0">
+              <a:schemeClr val="accent1"/>
+            </a:effectRef>
+            <a:fontRef idx="minor">
+              <a:schemeClr val="tx1"/>
+            </a:fontRef>
+          </p:style>
+        </p:cxnSp>
+        <p:cxnSp>
+          <p:nvCxnSpPr>
+            <p:cNvPr id="123" name="直接连接符 122"/>
+            <p:cNvCxnSpPr>
+              <a:stCxn id="119" idx="7"/>
+              <a:endCxn id="115" idx="1"/>
+            </p:cNvCxnSpPr>
+            <p:nvPr/>
+          </p:nvCxnSpPr>
+          <p:spPr>
+            <a:xfrm flipV="1">
+              <a:off x="7389741" y="2497412"/>
+              <a:ext cx="983812" cy="707614"/>
+            </a:xfrm>
+            <a:prstGeom prst="line">
+              <a:avLst/>
+            </a:prstGeom>
+            <a:ln w="28575">
+              <a:solidFill>
+                <a:srgbClr val="C00000"/>
+              </a:solidFill>
+            </a:ln>
+          </p:spPr>
+          <p:style>
+            <a:lnRef idx="1">
+              <a:schemeClr val="accent1"/>
+            </a:lnRef>
+            <a:fillRef idx="0">
+              <a:schemeClr val="accent1"/>
+            </a:fillRef>
+            <a:effectRef idx="0">
+              <a:schemeClr val="accent1"/>
+            </a:effectRef>
+            <a:fontRef idx="minor">
+              <a:schemeClr val="tx1"/>
+            </a:fontRef>
+          </p:style>
+        </p:cxnSp>
+        <p:cxnSp>
+          <p:nvCxnSpPr>
+            <p:cNvPr id="124" name="直接连接符 123"/>
+            <p:cNvCxnSpPr>
+              <a:stCxn id="119" idx="6"/>
+              <a:endCxn id="116" idx="1"/>
+            </p:cNvCxnSpPr>
+            <p:nvPr/>
+          </p:nvCxnSpPr>
+          <p:spPr>
+            <a:xfrm flipV="1">
+              <a:off x="7459623" y="2944734"/>
+              <a:ext cx="926538" cy="427045"/>
+            </a:xfrm>
+            <a:prstGeom prst="line">
+              <a:avLst/>
+            </a:prstGeom>
+            <a:ln w="6350">
+              <a:solidFill>
+                <a:srgbClr val="C00000"/>
+              </a:solidFill>
+            </a:ln>
+          </p:spPr>
+          <p:style>
+            <a:lnRef idx="1">
+              <a:schemeClr val="accent1"/>
+            </a:lnRef>
+            <a:fillRef idx="0">
+              <a:schemeClr val="accent1"/>
+            </a:fillRef>
+            <a:effectRef idx="0">
+              <a:schemeClr val="accent1"/>
+            </a:effectRef>
+            <a:fontRef idx="minor">
+              <a:schemeClr val="tx1"/>
+            </a:fontRef>
+          </p:style>
+        </p:cxnSp>
+      </p:grpSp>
+    </p:spTree>
+    <p:extLst>
+      <p:ext uri="{BB962C8B-B14F-4D97-AF65-F5344CB8AC3E}">
+        <p14:creationId xmlns:p14="http://schemas.microsoft.com/office/powerpoint/2010/main" val="4210510314"/>
       </p:ext>
     </p:extLst>
   </p:cSld>
